--- a/Intro of mathematic modeling for data scientist.pptx
+++ b/Intro of mathematic modeling for data scientist.pptx
@@ -5,13 +5,13 @@
     <p:sldMasterId id="2147483648" r:id="rId4"/>
   </p:sldMasterIdLst>
   <p:notesMasterIdLst>
-    <p:notesMasterId r:id="rId27"/>
+    <p:notesMasterId r:id="rId28"/>
   </p:notesMasterIdLst>
   <p:sldIdLst>
     <p:sldId id="256" r:id="rId5"/>
-    <p:sldId id="257" r:id="rId6"/>
-    <p:sldId id="258" r:id="rId7"/>
-    <p:sldId id="264" r:id="rId8"/>
+    <p:sldId id="299" r:id="rId6"/>
+    <p:sldId id="257" r:id="rId7"/>
+    <p:sldId id="258" r:id="rId8"/>
     <p:sldId id="261" r:id="rId9"/>
     <p:sldId id="262" r:id="rId10"/>
     <p:sldId id="259" r:id="rId11"/>
@@ -30,6 +30,7 @@
     <p:sldId id="267" r:id="rId24"/>
     <p:sldId id="268" r:id="rId25"/>
     <p:sldId id="269" r:id="rId26"/>
+    <p:sldId id="300" r:id="rId27"/>
   </p:sldIdLst>
   <p:sldSz cx="12192000" cy="6858000"/>
   <p:notesSz cx="6858000" cy="9144000"/>
@@ -7918,14 +7919,14 @@
   <dgm:cxnLst>
     <dgm:cxn modelId="{CBA5DF34-1F59-4EA8-AC89-8075773A3531}" srcId="{5127B126-3E02-486D-B760-26AC35E6BDA0}" destId="{95FAD4C6-7D01-4EC9-9A5F-A714C9F230BC}" srcOrd="1" destOrd="0" parTransId="{76178B05-8FAE-48C1-9CAF-744A9BEDC148}" sibTransId="{773F3F67-8C86-498E-B3F7-C0B98CB56A44}"/>
     <dgm:cxn modelId="{418FC238-135A-410D-8E05-868DD2C46263}" type="presOf" srcId="{95FAD4C6-7D01-4EC9-9A5F-A714C9F230BC}" destId="{8E60F18C-AA68-4880-B0AB-A3B216092D5C}" srcOrd="0" destOrd="0" presId="urn:microsoft.com/office/officeart/2005/8/layout/process4"/>
+    <dgm:cxn modelId="{EFD3B149-13E0-4992-921E-DAA396ACDBC8}" type="presOf" srcId="{25B3EFB4-C182-4D8C-9C21-0419D2F43D8D}" destId="{863DB0E6-2B83-4E68-BC08-64E5F458D96F}" srcOrd="0" destOrd="0" presId="urn:microsoft.com/office/officeart/2005/8/layout/process4"/>
+    <dgm:cxn modelId="{3AE59C4D-0CCB-4863-9D94-52BDE641A662}" srcId="{4287F78B-4D09-46BB-BCC1-09DA25BC46F3}" destId="{7D2B2ECD-6808-4E1A-B0D8-5CD845B068FF}" srcOrd="2" destOrd="0" parTransId="{844A441D-F219-4140-AD79-683FE714FEDA}" sibTransId="{A3F23899-BA2F-4719-9932-585E303F4C98}"/>
+    <dgm:cxn modelId="{F13EA256-585A-4A29-91D3-92B5736485E8}" srcId="{5127B126-3E02-486D-B760-26AC35E6BDA0}" destId="{25B3EFB4-C182-4D8C-9C21-0419D2F43D8D}" srcOrd="0" destOrd="0" parTransId="{CA21C88F-960D-415E-B076-04416BD5E008}" sibTransId="{386A95B0-014F-4999-BB4B-F556AEC9524E}"/>
+    <dgm:cxn modelId="{F0768E5A-5772-49FC-8EB3-1943CAA47832}" type="presOf" srcId="{4287F78B-4D09-46BB-BCC1-09DA25BC46F3}" destId="{C5DA48D1-B698-4786-93C5-7183131B71D9}" srcOrd="1" destOrd="0" presId="urn:microsoft.com/office/officeart/2005/8/layout/process4"/>
     <dgm:cxn modelId="{0631415B-3ABC-4EEB-B976-5D8F4E7FEED8}" srcId="{61F7B3BC-7587-402C-9D76-351837196B5D}" destId="{5127B126-3E02-486D-B760-26AC35E6BDA0}" srcOrd="1" destOrd="0" parTransId="{4917BD15-AC69-4EBD-A03C-DDDA6F0D965B}" sibTransId="{D81A3D2E-239C-4E8E-A341-CE760B7EE9CA}"/>
-    <dgm:cxn modelId="{EFD3B149-13E0-4992-921E-DAA396ACDBC8}" type="presOf" srcId="{25B3EFB4-C182-4D8C-9C21-0419D2F43D8D}" destId="{863DB0E6-2B83-4E68-BC08-64E5F458D96F}" srcOrd="0" destOrd="0" presId="urn:microsoft.com/office/officeart/2005/8/layout/process4"/>
     <dgm:cxn modelId="{377E3F6C-3B69-445A-A6FD-3BE55FF0C862}" type="presOf" srcId="{61F7B3BC-7587-402C-9D76-351837196B5D}" destId="{4B70CA7B-9EB9-40CA-9A82-CB66EE711A64}" srcOrd="0" destOrd="0" presId="urn:microsoft.com/office/officeart/2005/8/layout/process4"/>
-    <dgm:cxn modelId="{3AE59C4D-0CCB-4863-9D94-52BDE641A662}" srcId="{4287F78B-4D09-46BB-BCC1-09DA25BC46F3}" destId="{7D2B2ECD-6808-4E1A-B0D8-5CD845B068FF}" srcOrd="2" destOrd="0" parTransId="{844A441D-F219-4140-AD79-683FE714FEDA}" sibTransId="{A3F23899-BA2F-4719-9932-585E303F4C98}"/>
     <dgm:cxn modelId="{8ECFFC73-77D1-41BB-AF0E-FADD3D3CEB8A}" type="presOf" srcId="{5127B126-3E02-486D-B760-26AC35E6BDA0}" destId="{6B0F9BC1-DF83-47C5-BC04-940C1B67B01A}" srcOrd="1" destOrd="0" presId="urn:microsoft.com/office/officeart/2005/8/layout/process4"/>
-    <dgm:cxn modelId="{F13EA256-585A-4A29-91D3-92B5736485E8}" srcId="{5127B126-3E02-486D-B760-26AC35E6BDA0}" destId="{25B3EFB4-C182-4D8C-9C21-0419D2F43D8D}" srcOrd="0" destOrd="0" parTransId="{CA21C88F-960D-415E-B076-04416BD5E008}" sibTransId="{386A95B0-014F-4999-BB4B-F556AEC9524E}"/>
     <dgm:cxn modelId="{FD532E78-2356-4CC6-9C7C-D4EFA079D942}" type="presOf" srcId="{6DA1C37D-A28C-40DD-BBDC-462914AE509F}" destId="{5723D4B0-B05F-475B-A4C6-F4426D988353}" srcOrd="0" destOrd="0" presId="urn:microsoft.com/office/officeart/2005/8/layout/process4"/>
-    <dgm:cxn modelId="{F0768E5A-5772-49FC-8EB3-1943CAA47832}" type="presOf" srcId="{4287F78B-4D09-46BB-BCC1-09DA25BC46F3}" destId="{C5DA48D1-B698-4786-93C5-7183131B71D9}" srcOrd="1" destOrd="0" presId="urn:microsoft.com/office/officeart/2005/8/layout/process4"/>
     <dgm:cxn modelId="{40E8307C-4200-47EF-BFC5-7E46DBEDD12B}" srcId="{61F7B3BC-7587-402C-9D76-351837196B5D}" destId="{4287F78B-4D09-46BB-BCC1-09DA25BC46F3}" srcOrd="2" destOrd="0" parTransId="{C9A42BE2-6364-4E83-9C8D-87ECDC9A64A7}" sibTransId="{4009FEE9-E6BE-483B-9A83-2E4A5B1A493A}"/>
     <dgm:cxn modelId="{0488C48D-BBBF-4C15-9BF3-DFB47218A85A}" type="presOf" srcId="{4287F78B-4D09-46BB-BCC1-09DA25BC46F3}" destId="{AE3F68DA-528D-4A6E-8A87-D1F593241331}" srcOrd="0" destOrd="0" presId="urn:microsoft.com/office/officeart/2005/8/layout/process4"/>
     <dgm:cxn modelId="{6A79E88E-75C2-4FB3-AF34-E4BB9857491C}" type="presOf" srcId="{653C8928-25E5-462F-9BD0-F20D05006B8D}" destId="{C7AC98FF-9CA0-4C37-AB9A-8C671FA591DA}" srcOrd="0" destOrd="0" presId="urn:microsoft.com/office/officeart/2005/8/layout/process4"/>
@@ -8941,15 +8942,15 @@
     <dgm:cxn modelId="{CABD871D-256C-478B-BC15-82AEF8DC5C54}" type="presOf" srcId="{38A372D8-E180-4DA0-AFC0-9D4B2B8C92F5}" destId="{0D895ED4-DAE6-470A-8814-28887DCF2294}" srcOrd="0" destOrd="0" presId="urn:microsoft.com/office/officeart/2018/2/layout/IconLabelDescriptionList"/>
     <dgm:cxn modelId="{23D2D23D-D234-42BB-A01C-9533F66EDFCE}" type="presOf" srcId="{ABA48F67-FB10-4E18-9190-257763AA9094}" destId="{2E4E441A-6E05-416B-8F43-35E6C91A7178}" srcOrd="0" destOrd="0" presId="urn:microsoft.com/office/officeart/2018/2/layout/IconLabelDescriptionList"/>
     <dgm:cxn modelId="{38215C3F-54F9-4A27-9B7D-F429C996AAD2}" srcId="{38A372D8-E180-4DA0-AFC0-9D4B2B8C92F5}" destId="{937FBB1B-695F-443B-AEE4-F3901083E208}" srcOrd="0" destOrd="0" parTransId="{550906B0-BCB6-4E9C-BE04-B2F1D6B76A16}" sibTransId="{C2BB2905-8F14-4DD8-9C77-D42509D1538F}"/>
+    <dgm:cxn modelId="{8B2E0046-38C0-4789-A502-8877C5B6C53B}" type="presOf" srcId="{DE63CDD2-9192-4726-B274-F19B6E9D4523}" destId="{22E66C7D-7494-4614-98F8-083544009C1A}" srcOrd="0" destOrd="1" presId="urn:microsoft.com/office/officeart/2018/2/layout/IconLabelDescriptionList"/>
+    <dgm:cxn modelId="{C6408849-F99C-41EF-B5C7-3BF645E73A5B}" type="presOf" srcId="{BB8649AD-E628-425E-9823-6237AD9EC009}" destId="{B71A12E0-4247-4FA7-A497-8AE346B02758}" srcOrd="0" destOrd="1" presId="urn:microsoft.com/office/officeart/2018/2/layout/IconLabelDescriptionList"/>
+    <dgm:cxn modelId="{AEB21C55-D580-4B2C-B233-A5F396F7CECD}" srcId="{C4E10B89-5109-4069-BB69-84E93F9457A6}" destId="{30379007-99EE-478D-9EB5-EA6B3DD391F6}" srcOrd="2" destOrd="0" parTransId="{7753A2E3-13D8-4D57-A6C8-C28DFC32D2F7}" sibTransId="{F814FB78-BAC7-46C8-AB45-C84724F8C763}"/>
+    <dgm:cxn modelId="{9BAA5457-EA69-4276-BEA2-AC0F5C7068D3}" srcId="{C4E10B89-5109-4069-BB69-84E93F9457A6}" destId="{0F0083DA-8242-462C-843A-610B34F08E03}" srcOrd="3" destOrd="0" parTransId="{B5FCFFDD-3F87-46C1-A298-7584345621D6}" sibTransId="{2A4F2370-5723-4868-B655-A01A715E8602}"/>
+    <dgm:cxn modelId="{D29EF558-5C80-4DE7-B134-4FACD7D47356}" srcId="{0F0083DA-8242-462C-843A-610B34F08E03}" destId="{BB8649AD-E628-425E-9823-6237AD9EC009}" srcOrd="1" destOrd="0" parTransId="{D6EB53BC-00A0-41C4-B3AE-520BEC8AF4EE}" sibTransId="{FB635134-7DD4-47D0-8965-A8C6570D1B8A}"/>
     <dgm:cxn modelId="{D3175460-463E-4B51-8AB4-4143989543CC}" srcId="{C4E10B89-5109-4069-BB69-84E93F9457A6}" destId="{38A372D8-E180-4DA0-AFC0-9D4B2B8C92F5}" srcOrd="4" destOrd="0" parTransId="{4239A3A9-F730-4D0F-BBA1-347CE61891F8}" sibTransId="{47085992-FAF1-4A4E-9BDD-0B7FCD48050E}"/>
-    <dgm:cxn modelId="{8B2E0046-38C0-4789-A502-8877C5B6C53B}" type="presOf" srcId="{DE63CDD2-9192-4726-B274-F19B6E9D4523}" destId="{22E66C7D-7494-4614-98F8-083544009C1A}" srcOrd="0" destOrd="1" presId="urn:microsoft.com/office/officeart/2018/2/layout/IconLabelDescriptionList"/>
     <dgm:cxn modelId="{D5CAA067-F834-4828-9053-410F186BB71C}" type="presOf" srcId="{1849DD50-2BB0-46BD-B543-E8193955B175}" destId="{B71A12E0-4247-4FA7-A497-8AE346B02758}" srcOrd="0" destOrd="0" presId="urn:microsoft.com/office/officeart/2018/2/layout/IconLabelDescriptionList"/>
     <dgm:cxn modelId="{69B9EE68-33B1-4831-AF7C-30F0CC271A58}" type="presOf" srcId="{38CA1B6C-0943-4F1C-ADFC-FAFBB593EDCF}" destId="{22E66C7D-7494-4614-98F8-083544009C1A}" srcOrd="0" destOrd="0" presId="urn:microsoft.com/office/officeart/2018/2/layout/IconLabelDescriptionList"/>
-    <dgm:cxn modelId="{C6408849-F99C-41EF-B5C7-3BF645E73A5B}" type="presOf" srcId="{BB8649AD-E628-425E-9823-6237AD9EC009}" destId="{B71A12E0-4247-4FA7-A497-8AE346B02758}" srcOrd="0" destOrd="1" presId="urn:microsoft.com/office/officeart/2018/2/layout/IconLabelDescriptionList"/>
-    <dgm:cxn modelId="{AEB21C55-D580-4B2C-B233-A5F396F7CECD}" srcId="{C4E10B89-5109-4069-BB69-84E93F9457A6}" destId="{30379007-99EE-478D-9EB5-EA6B3DD391F6}" srcOrd="2" destOrd="0" parTransId="{7753A2E3-13D8-4D57-A6C8-C28DFC32D2F7}" sibTransId="{F814FB78-BAC7-46C8-AB45-C84724F8C763}"/>
     <dgm:cxn modelId="{581E9676-8824-4DA0-92FA-E313AD8A5651}" type="presOf" srcId="{C4E10B89-5109-4069-BB69-84E93F9457A6}" destId="{FF8DF759-0131-43C3-A41A-72D540192903}" srcOrd="0" destOrd="0" presId="urn:microsoft.com/office/officeart/2018/2/layout/IconLabelDescriptionList"/>
-    <dgm:cxn modelId="{9BAA5457-EA69-4276-BEA2-AC0F5C7068D3}" srcId="{C4E10B89-5109-4069-BB69-84E93F9457A6}" destId="{0F0083DA-8242-462C-843A-610B34F08E03}" srcOrd="3" destOrd="0" parTransId="{B5FCFFDD-3F87-46C1-A298-7584345621D6}" sibTransId="{2A4F2370-5723-4868-B655-A01A715E8602}"/>
-    <dgm:cxn modelId="{D29EF558-5C80-4DE7-B134-4FACD7D47356}" srcId="{0F0083DA-8242-462C-843A-610B34F08E03}" destId="{BB8649AD-E628-425E-9823-6237AD9EC009}" srcOrd="1" destOrd="0" parTransId="{D6EB53BC-00A0-41C4-B3AE-520BEC8AF4EE}" sibTransId="{FB635134-7DD4-47D0-8965-A8C6570D1B8A}"/>
     <dgm:cxn modelId="{2BFE8997-655D-46C5-A9CE-05F54555367B}" srcId="{C4E10B89-5109-4069-BB69-84E93F9457A6}" destId="{ABA48F67-FB10-4E18-9190-257763AA9094}" srcOrd="0" destOrd="0" parTransId="{FBD3A92C-D29D-42BB-9456-2DB7DA0AAEF4}" sibTransId="{27FB6EDD-394C-4CF6-8D19-1F662796F14F}"/>
     <dgm:cxn modelId="{379101A8-4F38-4DC4-AC17-A9003CE6646C}" srcId="{148531CA-FD81-4D94-9DCB-FBE9313C3085}" destId="{8741DAEC-290E-44A4-B1EB-C2D6B809F234}" srcOrd="0" destOrd="0" parTransId="{F08CA279-30CC-4F3C-8BB0-9C51670F07EA}" sibTransId="{0F246856-AAFE-426F-9ECA-EA4D45FF73BF}"/>
     <dgm:cxn modelId="{560476B4-4857-43E7-B02B-3A62CEA0AE10}" type="presOf" srcId="{8741DAEC-290E-44A4-B1EB-C2D6B809F234}" destId="{D5D17FF1-9611-4FD6-A095-1131DEAD229D}" srcOrd="0" destOrd="0" presId="urn:microsoft.com/office/officeart/2018/2/layout/IconLabelDescriptionList"/>
@@ -16748,7 +16749,7 @@
           <a:p>
             <a:fld id="{41ADF3B3-668D-4730-B42E-4CD2F7B4CF0A}" type="datetimeFigureOut">
               <a:rPr lang="en-US" smtClean="0"/>
-              <a:t>7/8/2020</a:t>
+              <a:t>12/18/20</a:t>
             </a:fld>
             <a:endParaRPr lang="en-US"/>
           </a:p>
@@ -17083,7 +17084,7 @@
           <a:p>
             <a:fld id="{9116CA16-7979-4376-8936-6B255F54DC11}" type="slidenum">
               <a:rPr lang="en-US" smtClean="0"/>
-              <a:t>2</a:t>
+              <a:t>3</a:t>
             </a:fld>
             <a:endParaRPr lang="en-US"/>
           </a:p>
@@ -18077,7 +18078,7 @@
           <a:p>
             <a:fld id="{D2366B6F-6558-4F2F-B091-14E06B78857E}" type="datetimeFigureOut">
               <a:rPr lang="en-US" smtClean="0"/>
-              <a:t>7/8/2020</a:t>
+              <a:t>12/18/20</a:t>
             </a:fld>
             <a:endParaRPr lang="en-US"/>
           </a:p>
@@ -18275,7 +18276,7 @@
           <a:p>
             <a:fld id="{D2366B6F-6558-4F2F-B091-14E06B78857E}" type="datetimeFigureOut">
               <a:rPr lang="en-US" smtClean="0"/>
-              <a:t>7/8/2020</a:t>
+              <a:t>12/18/20</a:t>
             </a:fld>
             <a:endParaRPr lang="en-US"/>
           </a:p>
@@ -18483,7 +18484,7 @@
           <a:p>
             <a:fld id="{D2366B6F-6558-4F2F-B091-14E06B78857E}" type="datetimeFigureOut">
               <a:rPr lang="en-US" smtClean="0"/>
-              <a:t>7/8/2020</a:t>
+              <a:t>12/18/20</a:t>
             </a:fld>
             <a:endParaRPr lang="en-US"/>
           </a:p>
@@ -18681,7 +18682,7 @@
           <a:p>
             <a:fld id="{D2366B6F-6558-4F2F-B091-14E06B78857E}" type="datetimeFigureOut">
               <a:rPr lang="en-US" smtClean="0"/>
-              <a:t>7/8/2020</a:t>
+              <a:t>12/18/20</a:t>
             </a:fld>
             <a:endParaRPr lang="en-US"/>
           </a:p>
@@ -18956,7 +18957,7 @@
           <a:p>
             <a:fld id="{D2366B6F-6558-4F2F-B091-14E06B78857E}" type="datetimeFigureOut">
               <a:rPr lang="en-US" smtClean="0"/>
-              <a:t>7/8/2020</a:t>
+              <a:t>12/18/20</a:t>
             </a:fld>
             <a:endParaRPr lang="en-US"/>
           </a:p>
@@ -19221,7 +19222,7 @@
           <a:p>
             <a:fld id="{D2366B6F-6558-4F2F-B091-14E06B78857E}" type="datetimeFigureOut">
               <a:rPr lang="en-US" smtClean="0"/>
-              <a:t>7/8/2020</a:t>
+              <a:t>12/18/20</a:t>
             </a:fld>
             <a:endParaRPr lang="en-US"/>
           </a:p>
@@ -19633,7 +19634,7 @@
           <a:p>
             <a:fld id="{D2366B6F-6558-4F2F-B091-14E06B78857E}" type="datetimeFigureOut">
               <a:rPr lang="en-US" smtClean="0"/>
-              <a:t>7/8/2020</a:t>
+              <a:t>12/18/20</a:t>
             </a:fld>
             <a:endParaRPr lang="en-US"/>
           </a:p>
@@ -19774,7 +19775,7 @@
           <a:p>
             <a:fld id="{D2366B6F-6558-4F2F-B091-14E06B78857E}" type="datetimeFigureOut">
               <a:rPr lang="en-US" smtClean="0"/>
-              <a:t>7/8/2020</a:t>
+              <a:t>12/18/20</a:t>
             </a:fld>
             <a:endParaRPr lang="en-US"/>
           </a:p>
@@ -19887,7 +19888,7 @@
           <a:p>
             <a:fld id="{D2366B6F-6558-4F2F-B091-14E06B78857E}" type="datetimeFigureOut">
               <a:rPr lang="en-US" smtClean="0"/>
-              <a:t>7/8/2020</a:t>
+              <a:t>12/18/20</a:t>
             </a:fld>
             <a:endParaRPr lang="en-US"/>
           </a:p>
@@ -20198,7 +20199,7 @@
           <a:p>
             <a:fld id="{D2366B6F-6558-4F2F-B091-14E06B78857E}" type="datetimeFigureOut">
               <a:rPr lang="en-US" smtClean="0"/>
-              <a:t>7/8/2020</a:t>
+              <a:t>12/18/20</a:t>
             </a:fld>
             <a:endParaRPr lang="en-US"/>
           </a:p>
@@ -20486,7 +20487,7 @@
           <a:p>
             <a:fld id="{D2366B6F-6558-4F2F-B091-14E06B78857E}" type="datetimeFigureOut">
               <a:rPr lang="en-US" smtClean="0"/>
-              <a:t>7/8/2020</a:t>
+              <a:t>12/18/20</a:t>
             </a:fld>
             <a:endParaRPr lang="en-US"/>
           </a:p>
@@ -20727,7 +20728,7 @@
           <a:p>
             <a:fld id="{D2366B6F-6558-4F2F-B091-14E06B78857E}" type="datetimeFigureOut">
               <a:rPr lang="en-US" smtClean="0"/>
-              <a:t>7/8/2020</a:t>
+              <a:t>12/18/20</a:t>
             </a:fld>
             <a:endParaRPr lang="en-US"/>
           </a:p>
@@ -21273,18 +21274,13 @@
           <a:lstStyle/>
           <a:p>
             <a:r>
-              <a:rPr lang="en-US">
+              <a:rPr lang="en-US" dirty="0">
                 <a:solidFill>
                   <a:srgbClr val="FFFFFF"/>
                 </a:solidFill>
               </a:rPr>
-              <a:t>Intro of mathematic modeling for data scientist</a:t>
+              <a:t>Intro to simple mathematic modeling for data scientist</a:t>
             </a:r>
-            <a:endParaRPr lang="en-US" dirty="0">
-              <a:solidFill>
-                <a:srgbClr val="FFFFFF"/>
-              </a:solidFill>
-            </a:endParaRPr>
           </a:p>
         </p:txBody>
       </p:sp>
@@ -21323,16 +21319,6 @@
                 </a:solidFill>
               </a:rPr>
               <a:t>Shuai Wang </a:t>
-            </a:r>
-          </a:p>
-          <a:p>
-            <a:r>
-              <a:rPr lang="en-US" dirty="0">
-                <a:solidFill>
-                  <a:srgbClr val="FFFFFF"/>
-                </a:solidFill>
-              </a:rPr>
-              <a:t>https://github.8451.com/kon6750/2020_optimization_modeling</a:t>
             </a:r>
           </a:p>
         </p:txBody>
@@ -25069,7 +25055,15 @@
           <a:p>
             <a:r>
               <a:rPr lang="en-US" sz="3000" dirty="0"/>
-              <a:t>An AML does not solve optimization problems directly.</a:t>
+              <a:t>AML </a:t>
+            </a:r>
+            <a:r>
+              <a:rPr lang="en-US" sz="3000" b="1" dirty="0"/>
+              <a:t>does not </a:t>
+            </a:r>
+            <a:r>
+              <a:rPr lang="en-US" sz="3000" dirty="0"/>
+              <a:t>solve optimization problems directly.</a:t>
             </a:r>
           </a:p>
           <a:p>
@@ -25283,7 +25277,7 @@
             </a:r>
             <a:r>
               <a:rPr lang="en-US" b="1" dirty="0"/>
-              <a:t>optimizer</a:t>
+              <a:t>Solver</a:t>
             </a:r>
             <a:endParaRPr lang="en-US" dirty="0"/>
           </a:p>
@@ -25319,7 +25313,7 @@
           <a:p>
             <a:r>
               <a:rPr lang="en-US" dirty="0"/>
-              <a:t>Common optimizers for linear and integer optimization problems:</a:t>
+              <a:t>Popular solver for linear and integer optimization problems:</a:t>
             </a:r>
           </a:p>
           <a:p>
@@ -25333,15 +25327,16 @@
             <a:pPr lvl="2"/>
             <a:r>
               <a:rPr lang="en-US" dirty="0"/>
-              <a:t>IBM CPLEX </a:t>
+              <a:t>CPLEX </a:t>
             </a:r>
           </a:p>
           <a:p>
             <a:pPr lvl="2"/>
             <a:r>
-              <a:rPr lang="en-US" dirty="0"/>
+              <a:rPr lang="en-US" dirty="0" err="1"/>
               <a:t>Gurobi</a:t>
             </a:r>
+            <a:endParaRPr lang="en-US" dirty="0"/>
           </a:p>
           <a:p>
             <a:pPr lvl="2"/>
@@ -25352,10 +25347,7 @@
           </a:p>
           <a:p>
             <a:pPr lvl="2"/>
-            <a:r>
-              <a:rPr lang="en-US" dirty="0"/>
-              <a:t>MOSEK</a:t>
-            </a:r>
+            <a:endParaRPr lang="en-US" dirty="0"/>
           </a:p>
           <a:p>
             <a:pPr lvl="1"/>
@@ -25374,22 +25366,26 @@
           <a:p>
             <a:pPr lvl="2"/>
             <a:r>
+              <a:rPr lang="en-US" dirty="0"/>
+              <a:t>GLPK</a:t>
+            </a:r>
+            <a:r>
               <a:rPr lang="en-US" b="1" dirty="0"/>
-              <a:t>GLPK </a:t>
+              <a:t> </a:t>
             </a:r>
           </a:p>
           <a:p>
             <a:pPr lvl="2"/>
             <a:r>
               <a:rPr lang="en-US" dirty="0"/>
-              <a:t>COIN-OR /CBC</a:t>
+              <a:t>CBC</a:t>
             </a:r>
           </a:p>
           <a:p>
             <a:pPr lvl="2"/>
             <a:r>
               <a:rPr lang="en-US" dirty="0"/>
-              <a:t>COIN-OR/SYMPHONY</a:t>
+              <a:t>SYMPHONY</a:t>
             </a:r>
           </a:p>
           <a:p>
@@ -25442,71 +25438,6 @@
       </p:grpSpPr>
       <p:sp>
         <p:nvSpPr>
-          <p:cNvPr id="194" name="Rectangle 168">
-            <a:extLst>
-              <a:ext uri="{FF2B5EF4-FFF2-40B4-BE49-F238E27FC236}">
-                <a16:creationId xmlns:a16="http://schemas.microsoft.com/office/drawing/2014/main" id="{8D70B121-56F4-4848-B38B-182089D909FA}"/>
-              </a:ext>
-              <a:ext uri="{C183D7F6-B498-43B3-948B-1728B52AA6E4}">
-                <adec:decorative xmlns:adec="http://schemas.microsoft.com/office/drawing/2017/decorative" val="1"/>
-              </a:ext>
-            </a:extLst>
-          </p:cNvPr>
-          <p:cNvSpPr>
-            <a:spLocks noGrp="1" noRot="1" noChangeAspect="1" noMove="1" noResize="1" noEditPoints="1" noAdjustHandles="1" noChangeArrowheads="1" noChangeShapeType="1" noTextEdit="1"/>
-          </p:cNvSpPr>
-          <p:nvPr>
-            <p:extLst>
-              <p:ext uri="{386F3935-93C4-4BCD-93E2-E3B085C9AB24}">
-                <p16:designElem xmlns:p16="http://schemas.microsoft.com/office/powerpoint/2015/main" val="1"/>
-              </p:ext>
-            </p:extLst>
-          </p:nvPr>
-        </p:nvSpPr>
-        <p:spPr bwMode="ltGray">
-          <a:xfrm>
-            <a:off x="321564" y="320040"/>
-            <a:ext cx="11548872" cy="6217920"/>
-          </a:xfrm>
-          <a:prstGeom prst="rect">
-            <a:avLst/>
-          </a:prstGeom>
-          <a:solidFill>
-            <a:schemeClr val="tx1">
-              <a:alpha val="8000"/>
-            </a:schemeClr>
-          </a:solidFill>
-          <a:ln w="127000" cap="sq" cmpd="thinThick">
-            <a:noFill/>
-          </a:ln>
-        </p:spPr>
-        <p:style>
-          <a:lnRef idx="2">
-            <a:schemeClr val="accent1">
-              <a:shade val="50000"/>
-            </a:schemeClr>
-          </a:lnRef>
-          <a:fillRef idx="1">
-            <a:schemeClr val="accent1"/>
-          </a:fillRef>
-          <a:effectRef idx="0">
-            <a:schemeClr val="accent1"/>
-          </a:effectRef>
-          <a:fontRef idx="minor">
-            <a:schemeClr val="lt1"/>
-          </a:fontRef>
-        </p:style>
-        <p:txBody>
-          <a:bodyPr rtlCol="0" anchor="ctr"/>
-          <a:lstStyle/>
-          <a:p>
-            <a:pPr algn="ctr"/>
-            <a:endParaRPr lang="en-US"/>
-          </a:p>
-        </p:txBody>
-      </p:sp>
-      <p:sp>
-        <p:nvSpPr>
           <p:cNvPr id="2" name="Title 1">
             <a:extLst>
               <a:ext uri="{FF2B5EF4-FFF2-40B4-BE49-F238E27FC236}">
@@ -25523,8 +25454,47 @@
         </p:nvSpPr>
         <p:spPr>
           <a:xfrm>
-            <a:off x="838200" y="963877"/>
-            <a:ext cx="3494362" cy="4930246"/>
+            <a:off x="4965430" y="629268"/>
+            <a:ext cx="6586491" cy="1286160"/>
+          </a:xfrm>
+        </p:spPr>
+        <p:txBody>
+          <a:bodyPr anchor="b">
+            <a:normAutofit/>
+          </a:bodyPr>
+          <a:lstStyle/>
+          <a:p>
+            <a:r>
+              <a:rPr lang="en-US" sz="4100"/>
+              <a:t>Optimization modeling</a:t>
+            </a:r>
+            <a:br>
+              <a:rPr lang="en-US" sz="4100"/>
+            </a:br>
+            <a:endParaRPr lang="en-US" sz="4100"/>
+          </a:p>
+        </p:txBody>
+      </p:sp>
+      <p:sp>
+        <p:nvSpPr>
+          <p:cNvPr id="204" name="Content Placeholder 2">
+            <a:extLst>
+              <a:ext uri="{FF2B5EF4-FFF2-40B4-BE49-F238E27FC236}">
+                <a16:creationId xmlns:a16="http://schemas.microsoft.com/office/drawing/2014/main" id="{71BD2CBF-308A-4B10-A4EC-71E5DF8626F2}"/>
+              </a:ext>
+            </a:extLst>
+          </p:cNvPr>
+          <p:cNvSpPr>
+            <a:spLocks noGrp="1"/>
+          </p:cNvSpPr>
+          <p:nvPr>
+            <p:ph idx="1"/>
+          </p:nvPr>
+        </p:nvSpPr>
+        <p:spPr>
+          <a:xfrm>
+            <a:off x="4965431" y="2438400"/>
+            <a:ext cx="6586489" cy="3785419"/>
           </a:xfrm>
         </p:spPr>
         <p:txBody>
@@ -25533,36 +25503,122 @@
           </a:bodyPr>
           <a:lstStyle/>
           <a:p>
-            <a:pPr algn="r"/>
             <a:r>
-              <a:rPr lang="en-US" dirty="0">
-                <a:solidFill>
-                  <a:schemeClr val="accent1"/>
-                </a:solidFill>
-              </a:rPr>
-              <a:t>Optimization modeling</a:t>
+              <a:rPr lang="en-US" sz="1400" dirty="0"/>
+              <a:t>An optimization model seeks to find values of decisions variables that optimize (maximize or minimize) one or more objective functions among the set of all values for the decision variables that satisfy the given constraints. </a:t>
             </a:r>
-            <a:br>
-              <a:rPr lang="en-US" dirty="0">
-                <a:solidFill>
-                  <a:schemeClr val="accent1"/>
-                </a:solidFill>
-              </a:rPr>
-            </a:br>
-            <a:endParaRPr lang="en-US" dirty="0">
-              <a:solidFill>
-                <a:schemeClr val="accent1"/>
-              </a:solidFill>
-            </a:endParaRPr>
+          </a:p>
+          <a:p>
+            <a:endParaRPr lang="en-US" sz="1400" dirty="0"/>
+          </a:p>
+          <a:p>
+            <a:r>
+              <a:rPr lang="en-US" sz="1400" b="1" dirty="0"/>
+              <a:t>Decision variables</a:t>
+            </a:r>
+          </a:p>
+          <a:p>
+            <a:pPr marL="914400" lvl="2" indent="0">
+              <a:buNone/>
+            </a:pPr>
+            <a:r>
+              <a:rPr lang="en-US" sz="1400" dirty="0"/>
+              <a:t>Controllable variables influencing the performance of the system. </a:t>
+            </a:r>
+          </a:p>
+          <a:p>
+            <a:pPr marL="0" indent="0">
+              <a:buNone/>
+            </a:pPr>
+            <a:endParaRPr lang="en-US" sz="1400" dirty="0"/>
+          </a:p>
+          <a:p>
+            <a:r>
+              <a:rPr lang="en-US" sz="1400" b="1" dirty="0"/>
+              <a:t>Objective function(s)</a:t>
+            </a:r>
+          </a:p>
+          <a:p>
+            <a:pPr lvl="1"/>
+            <a:r>
+              <a:rPr lang="en-US" sz="1400" dirty="0"/>
+              <a:t>A function we wish to maximize or minimize (reflects the relation between the decision variables and goal we want to achieve)</a:t>
+            </a:r>
+          </a:p>
+          <a:p>
+            <a:pPr lvl="1"/>
+            <a:r>
+              <a:rPr lang="en-US" sz="1400" dirty="0"/>
+              <a:t>Single objective or multiple objectives</a:t>
+            </a:r>
+          </a:p>
+          <a:p>
+            <a:pPr lvl="1"/>
+            <a:endParaRPr lang="en-US" sz="1400" dirty="0"/>
+          </a:p>
+          <a:p>
+            <a:r>
+              <a:rPr lang="en-US" sz="1400" b="1" dirty="0"/>
+              <a:t>Constraints </a:t>
+            </a:r>
+          </a:p>
+          <a:p>
+            <a:pPr lvl="1"/>
+            <a:r>
+              <a:rPr lang="en-US" sz="1400" dirty="0"/>
+              <a:t>A set of restrictions of decision variables. </a:t>
+            </a:r>
+          </a:p>
+          <a:p>
+            <a:pPr marL="457200" lvl="1" indent="0">
+              <a:buNone/>
+            </a:pPr>
+            <a:endParaRPr lang="en-US" sz="1400" dirty="0"/>
+          </a:p>
+          <a:p>
+            <a:endParaRPr lang="en-US" sz="1400" dirty="0"/>
+          </a:p>
+          <a:p>
+            <a:endParaRPr lang="en-US" sz="1400" dirty="0"/>
           </a:p>
         </p:txBody>
       </p:sp>
+      <p:pic>
+        <p:nvPicPr>
+          <p:cNvPr id="197" name="Picture 196">
+            <a:extLst>
+              <a:ext uri="{FF2B5EF4-FFF2-40B4-BE49-F238E27FC236}">
+                <a16:creationId xmlns:a16="http://schemas.microsoft.com/office/drawing/2014/main" id="{0720499C-9D6B-4D01-A812-6E39CBC963E9}"/>
+              </a:ext>
+            </a:extLst>
+          </p:cNvPr>
+          <p:cNvPicPr>
+            <a:picLocks noChangeAspect="1"/>
+          </p:cNvPicPr>
+          <p:nvPr/>
+        </p:nvPicPr>
+        <p:blipFill rotWithShape="1">
+          <a:blip r:embed="rId3"/>
+          <a:srcRect l="11189" r="44538" b="2"/>
+          <a:stretch/>
+        </p:blipFill>
+        <p:spPr>
+          <a:xfrm>
+            <a:off x="20" y="10"/>
+            <a:ext cx="4635571" cy="6857990"/>
+          </a:xfrm>
+          <a:prstGeom prst="rect">
+            <a:avLst/>
+          </a:prstGeom>
+          <a:effectLst/>
+        </p:spPr>
+      </p:pic>
       <p:cxnSp>
         <p:nvCxnSpPr>
-          <p:cNvPr id="195" name="Straight Connector 170">
+          <p:cNvPr id="205" name="Straight Connector 136">
             <a:extLst>
               <a:ext uri="{FF2B5EF4-FFF2-40B4-BE49-F238E27FC236}">
-                <a16:creationId xmlns:a16="http://schemas.microsoft.com/office/drawing/2014/main" id="{2D72A2C9-F3CA-4216-8BAD-FA4C970C3C4E}"/>
+                <a16:creationId xmlns:a16="http://schemas.microsoft.com/office/drawing/2014/main" id="{A7F400EE-A8A5-48AF-B4D6-291B52C6F0B0}"/>
               </a:ext>
               <a:ext uri="{C183D7F6-B498-43B3-948B-1728B52AA6E4}">
                 <adec:decorative xmlns:adec="http://schemas.microsoft.com/office/drawing/2017/decorative" val="1"/>
@@ -25582,18 +25638,15 @@
         </p:nvCxnSpPr>
         <p:spPr>
           <a:xfrm>
-            <a:off x="4654296" y="2057400"/>
-            <a:ext cx="0" cy="2743200"/>
+            <a:off x="5080934" y="2115117"/>
+            <a:ext cx="6309360" cy="0"/>
           </a:xfrm>
           <a:prstGeom prst="line">
             <a:avLst/>
           </a:prstGeom>
           <a:ln w="19050">
             <a:solidFill>
-              <a:schemeClr val="tx1">
-                <a:lumMod val="85000"/>
-                <a:lumOff val="15000"/>
-              </a:schemeClr>
+              <a:srgbClr val="C10FFF"/>
             </a:solidFill>
           </a:ln>
         </p:spPr>
@@ -25612,114 +25665,6 @@
           </a:fontRef>
         </p:style>
       </p:cxnSp>
-      <p:sp>
-        <p:nvSpPr>
-          <p:cNvPr id="93" name="Content Placeholder 2">
-            <a:extLst>
-              <a:ext uri="{FF2B5EF4-FFF2-40B4-BE49-F238E27FC236}">
-                <a16:creationId xmlns:a16="http://schemas.microsoft.com/office/drawing/2014/main" id="{71BD2CBF-308A-4B10-A4EC-71E5DF8626F2}"/>
-              </a:ext>
-            </a:extLst>
-          </p:cNvPr>
-          <p:cNvSpPr>
-            <a:spLocks noGrp="1"/>
-          </p:cNvSpPr>
-          <p:nvPr>
-            <p:ph idx="1"/>
-          </p:nvPr>
-        </p:nvSpPr>
-        <p:spPr>
-          <a:xfrm>
-            <a:off x="4976031" y="963877"/>
-            <a:ext cx="6377769" cy="4930246"/>
-          </a:xfrm>
-        </p:spPr>
-        <p:txBody>
-          <a:bodyPr anchor="ctr">
-            <a:normAutofit/>
-          </a:bodyPr>
-          <a:lstStyle/>
-          <a:p>
-            <a:r>
-              <a:rPr lang="en-US" sz="1600" dirty="0"/>
-              <a:t>An optimization model seeks to find values of decisions variables that optimize (maximize or minimize) one or more objective functions among the set of all values for the decision variables that satisfy the given constraints. </a:t>
-            </a:r>
-          </a:p>
-          <a:p>
-            <a:endParaRPr lang="en-US" sz="1600" dirty="0"/>
-          </a:p>
-          <a:p>
-            <a:r>
-              <a:rPr lang="en-US" sz="1600" b="1" dirty="0"/>
-              <a:t>Decision variables</a:t>
-            </a:r>
-          </a:p>
-          <a:p>
-            <a:pPr marL="914400" lvl="2" indent="0">
-              <a:buNone/>
-            </a:pPr>
-            <a:r>
-              <a:rPr lang="en-US" sz="1600" dirty="0"/>
-              <a:t>Controllable variables influencing the performance of the system. </a:t>
-            </a:r>
-          </a:p>
-          <a:p>
-            <a:pPr marL="0" indent="0">
-              <a:buNone/>
-            </a:pPr>
-            <a:endParaRPr lang="en-US" sz="1600" dirty="0"/>
-          </a:p>
-          <a:p>
-            <a:r>
-              <a:rPr lang="en-US" sz="1600" b="1" dirty="0"/>
-              <a:t>Objective function(s)</a:t>
-            </a:r>
-          </a:p>
-          <a:p>
-            <a:pPr lvl="1"/>
-            <a:r>
-              <a:rPr lang="en-US" sz="1600" dirty="0"/>
-              <a:t>A function we wish to maximize or minimize (reflects the relation between the decision variables and goal we want to achieve)</a:t>
-            </a:r>
-          </a:p>
-          <a:p>
-            <a:pPr lvl="1"/>
-            <a:r>
-              <a:rPr lang="en-US" sz="1600" dirty="0"/>
-              <a:t>Single objective or multiple objectives</a:t>
-            </a:r>
-          </a:p>
-          <a:p>
-            <a:pPr lvl="1"/>
-            <a:endParaRPr lang="en-US" sz="1600" dirty="0"/>
-          </a:p>
-          <a:p>
-            <a:r>
-              <a:rPr lang="en-US" sz="1600" b="1" dirty="0"/>
-              <a:t>Constraints </a:t>
-            </a:r>
-          </a:p>
-          <a:p>
-            <a:pPr lvl="1"/>
-            <a:r>
-              <a:rPr lang="en-US" sz="1600" dirty="0"/>
-              <a:t>A set of restrictions of decision variables. </a:t>
-            </a:r>
-          </a:p>
-          <a:p>
-            <a:pPr marL="457200" lvl="1" indent="0">
-              <a:buNone/>
-            </a:pPr>
-            <a:endParaRPr lang="en-US" sz="1600" dirty="0"/>
-          </a:p>
-          <a:p>
-            <a:endParaRPr lang="en-US" sz="1500" dirty="0"/>
-          </a:p>
-          <a:p>
-            <a:endParaRPr lang="en-US" sz="1500" dirty="0"/>
-          </a:p>
-        </p:txBody>
-      </p:sp>
     </p:spTree>
     <p:extLst>
       <p:ext uri="{BB962C8B-B14F-4D97-AF65-F5344CB8AC3E}">
@@ -25734,6 +25679,1249 @@
 </file>
 
 <file path=ppt/slides/slide2.xml><?xml version="1.0" encoding="utf-8"?>
+<p:sld xmlns:a="http://schemas.openxmlformats.org/drawingml/2006/main" xmlns:r="http://schemas.openxmlformats.org/officeDocument/2006/relationships" xmlns:p="http://schemas.openxmlformats.org/presentationml/2006/main">
+  <p:cSld>
+    <p:bg>
+      <p:bgPr>
+        <a:solidFill>
+          <a:schemeClr val="bg1"/>
+        </a:solidFill>
+        <a:effectLst/>
+      </p:bgPr>
+    </p:bg>
+    <p:spTree>
+      <p:nvGrpSpPr>
+        <p:cNvPr id="1" name=""/>
+        <p:cNvGrpSpPr/>
+        <p:nvPr/>
+      </p:nvGrpSpPr>
+      <p:grpSpPr>
+        <a:xfrm>
+          <a:off x="0" y="0"/>
+          <a:ext cx="0" cy="0"/>
+          <a:chOff x="0" y="0"/>
+          <a:chExt cx="0" cy="0"/>
+        </a:xfrm>
+      </p:grpSpPr>
+      <p:sp>
+        <p:nvSpPr>
+          <p:cNvPr id="2" name="Title 1">
+            <a:extLst>
+              <a:ext uri="{FF2B5EF4-FFF2-40B4-BE49-F238E27FC236}">
+                <a16:creationId xmlns:a16="http://schemas.microsoft.com/office/drawing/2014/main" id="{BC7FD7B2-D143-184C-8117-2B9AB855BA10}"/>
+              </a:ext>
+            </a:extLst>
+          </p:cNvPr>
+          <p:cNvSpPr>
+            <a:spLocks noGrp="1"/>
+          </p:cNvSpPr>
+          <p:nvPr>
+            <p:ph type="title"/>
+          </p:nvPr>
+        </p:nvSpPr>
+        <p:spPr>
+          <a:xfrm>
+            <a:off x="4965430" y="629268"/>
+            <a:ext cx="6586491" cy="1286160"/>
+          </a:xfrm>
+        </p:spPr>
+        <p:txBody>
+          <a:bodyPr anchor="b">
+            <a:normAutofit/>
+          </a:bodyPr>
+          <a:lstStyle/>
+          <a:p>
+            <a:r>
+              <a:rPr lang="en-US" dirty="0"/>
+              <a:t>Agenda</a:t>
+            </a:r>
+          </a:p>
+        </p:txBody>
+      </p:sp>
+      <p:sp>
+        <p:nvSpPr>
+          <p:cNvPr id="15" name="Content Placeholder 2">
+            <a:extLst>
+              <a:ext uri="{FF2B5EF4-FFF2-40B4-BE49-F238E27FC236}">
+                <a16:creationId xmlns:a16="http://schemas.microsoft.com/office/drawing/2014/main" id="{002AB654-220C-484A-84C6-2901A8ED7529}"/>
+              </a:ext>
+            </a:extLst>
+          </p:cNvPr>
+          <p:cNvSpPr>
+            <a:spLocks noGrp="1"/>
+          </p:cNvSpPr>
+          <p:nvPr>
+            <p:ph idx="1"/>
+          </p:nvPr>
+        </p:nvSpPr>
+        <p:spPr>
+          <a:xfrm>
+            <a:off x="4965431" y="2438400"/>
+            <a:ext cx="6586489" cy="3785419"/>
+          </a:xfrm>
+        </p:spPr>
+        <p:txBody>
+          <a:bodyPr>
+            <a:normAutofit/>
+          </a:bodyPr>
+          <a:lstStyle/>
+          <a:p>
+            <a:r>
+              <a:rPr lang="en-US" sz="2000" dirty="0"/>
+              <a:t>Introduction of math modeling</a:t>
+            </a:r>
+          </a:p>
+          <a:p>
+            <a:r>
+              <a:rPr lang="en-US" sz="2000" dirty="0"/>
+              <a:t>How to use python and R package for modeling</a:t>
+            </a:r>
+          </a:p>
+          <a:p>
+            <a:r>
+              <a:rPr lang="en-US" sz="2000" dirty="0"/>
+              <a:t>Examples</a:t>
+            </a:r>
+          </a:p>
+          <a:p>
+            <a:endParaRPr lang="en-US" sz="2000" dirty="0"/>
+          </a:p>
+          <a:p>
+            <a:endParaRPr lang="en-US" sz="2000" dirty="0"/>
+          </a:p>
+        </p:txBody>
+      </p:sp>
+      <p:pic>
+        <p:nvPicPr>
+          <p:cNvPr id="16" name="Picture 4" descr="Engineering drawing&#10;&#10;Description automatically generated with low confidence">
+            <a:extLst>
+              <a:ext uri="{FF2B5EF4-FFF2-40B4-BE49-F238E27FC236}">
+                <a16:creationId xmlns:a16="http://schemas.microsoft.com/office/drawing/2014/main" id="{3AF311F9-09A3-4552-992F-E61B840C5029}"/>
+              </a:ext>
+            </a:extLst>
+          </p:cNvPr>
+          <p:cNvPicPr>
+            <a:picLocks noChangeAspect="1"/>
+          </p:cNvPicPr>
+          <p:nvPr/>
+        </p:nvPicPr>
+        <p:blipFill rotWithShape="1">
+          <a:blip r:embed="rId2"/>
+          <a:srcRect l="49498" r="9945"/>
+          <a:stretch/>
+        </p:blipFill>
+        <p:spPr>
+          <a:xfrm>
+            <a:off x="20" y="10"/>
+            <a:ext cx="4635571" cy="6857990"/>
+          </a:xfrm>
+          <a:prstGeom prst="rect">
+            <a:avLst/>
+          </a:prstGeom>
+          <a:effectLst/>
+        </p:spPr>
+      </p:pic>
+      <p:cxnSp>
+        <p:nvCxnSpPr>
+          <p:cNvPr id="17" name="Straight Connector 8">
+            <a:extLst>
+              <a:ext uri="{FF2B5EF4-FFF2-40B4-BE49-F238E27FC236}">
+                <a16:creationId xmlns:a16="http://schemas.microsoft.com/office/drawing/2014/main" id="{A7F400EE-A8A5-48AF-B4D6-291B52C6F0B0}"/>
+              </a:ext>
+              <a:ext uri="{C183D7F6-B498-43B3-948B-1728B52AA6E4}">
+                <adec:decorative xmlns:adec="http://schemas.microsoft.com/office/drawing/2017/decorative" val="1"/>
+              </a:ext>
+            </a:extLst>
+          </p:cNvPr>
+          <p:cNvCxnSpPr>
+            <a:cxnSpLocks noGrp="1" noRot="1" noChangeAspect="1" noMove="1" noResize="1" noEditPoints="1" noAdjustHandles="1" noChangeArrowheads="1" noChangeShapeType="1"/>
+          </p:cNvCxnSpPr>
+          <p:nvPr>
+            <p:extLst>
+              <p:ext uri="{386F3935-93C4-4BCD-93E2-E3B085C9AB24}">
+                <p16:designElem xmlns:p16="http://schemas.microsoft.com/office/powerpoint/2015/main" val="1"/>
+              </p:ext>
+            </p:extLst>
+          </p:nvPr>
+        </p:nvCxnSpPr>
+        <p:spPr>
+          <a:xfrm>
+            <a:off x="5080934" y="2115117"/>
+            <a:ext cx="6309360" cy="0"/>
+          </a:xfrm>
+          <a:prstGeom prst="line">
+            <a:avLst/>
+          </a:prstGeom>
+          <a:ln w="19050">
+            <a:solidFill>
+              <a:schemeClr val="accent1"/>
+            </a:solidFill>
+          </a:ln>
+        </p:spPr>
+        <p:style>
+          <a:lnRef idx="1">
+            <a:schemeClr val="accent1"/>
+          </a:lnRef>
+          <a:fillRef idx="0">
+            <a:schemeClr val="accent1"/>
+          </a:fillRef>
+          <a:effectRef idx="0">
+            <a:schemeClr val="accent1"/>
+          </a:effectRef>
+          <a:fontRef idx="minor">
+            <a:schemeClr val="tx1"/>
+          </a:fontRef>
+        </p:style>
+      </p:cxnSp>
+    </p:spTree>
+    <p:extLst>
+      <p:ext uri="{BB962C8B-B14F-4D97-AF65-F5344CB8AC3E}">
+        <p14:creationId xmlns:p14="http://schemas.microsoft.com/office/powerpoint/2010/main" val="3635801072"/>
+      </p:ext>
+    </p:extLst>
+  </p:cSld>
+  <p:clrMapOvr>
+    <a:masterClrMapping/>
+  </p:clrMapOvr>
+</p:sld>
+</file>
+
+<file path=ppt/slides/slide20.xml><?xml version="1.0" encoding="utf-8"?>
+<p:sld xmlns:a="http://schemas.openxmlformats.org/drawingml/2006/main" xmlns:r="http://schemas.openxmlformats.org/officeDocument/2006/relationships" xmlns:p="http://schemas.openxmlformats.org/presentationml/2006/main">
+  <p:cSld>
+    <p:spTree>
+      <p:nvGrpSpPr>
+        <p:cNvPr id="1" name=""/>
+        <p:cNvGrpSpPr/>
+        <p:nvPr/>
+      </p:nvGrpSpPr>
+      <p:grpSpPr>
+        <a:xfrm>
+          <a:off x="0" y="0"/>
+          <a:ext cx="0" cy="0"/>
+          <a:chOff x="0" y="0"/>
+          <a:chExt cx="0" cy="0"/>
+        </a:xfrm>
+      </p:grpSpPr>
+      <p:sp>
+        <p:nvSpPr>
+          <p:cNvPr id="2" name="Title 1">
+            <a:extLst>
+              <a:ext uri="{FF2B5EF4-FFF2-40B4-BE49-F238E27FC236}">
+                <a16:creationId xmlns:a16="http://schemas.microsoft.com/office/drawing/2014/main" id="{52D335AB-6409-45BF-9EAA-3E53B1CE8E15}"/>
+              </a:ext>
+            </a:extLst>
+          </p:cNvPr>
+          <p:cNvSpPr>
+            <a:spLocks noGrp="1"/>
+          </p:cNvSpPr>
+          <p:nvPr>
+            <p:ph type="title"/>
+          </p:nvPr>
+        </p:nvSpPr>
+        <p:spPr>
+          <a:xfrm>
+            <a:off x="671804" y="365125"/>
+            <a:ext cx="10681996" cy="1325563"/>
+          </a:xfrm>
+        </p:spPr>
+        <p:txBody>
+          <a:bodyPr/>
+          <a:lstStyle/>
+          <a:p>
+            <a:r>
+              <a:rPr lang="en-US" dirty="0"/>
+              <a:t>Using R (OMPR,ROI, </a:t>
+            </a:r>
+            <a:r>
+              <a:rPr lang="en-US" dirty="0" err="1"/>
+              <a:t>ompr.roi</a:t>
+            </a:r>
+            <a:r>
+              <a:rPr lang="en-US" dirty="0"/>
+              <a:t>, </a:t>
+            </a:r>
+            <a:r>
+              <a:rPr lang="en-US" dirty="0" err="1"/>
+              <a:t>ROI.plugin.glpk</a:t>
+            </a:r>
+            <a:r>
+              <a:rPr lang="en-US" dirty="0"/>
+              <a:t> )</a:t>
+            </a:r>
+          </a:p>
+        </p:txBody>
+      </p:sp>
+      <p:sp>
+        <p:nvSpPr>
+          <p:cNvPr id="3" name="Content Placeholder 2">
+            <a:extLst>
+              <a:ext uri="{FF2B5EF4-FFF2-40B4-BE49-F238E27FC236}">
+                <a16:creationId xmlns:a16="http://schemas.microsoft.com/office/drawing/2014/main" id="{ECD609B5-2D98-4C51-B429-F7B24FD1F985}"/>
+              </a:ext>
+            </a:extLst>
+          </p:cNvPr>
+          <p:cNvSpPr>
+            <a:spLocks noGrp="1"/>
+          </p:cNvSpPr>
+          <p:nvPr>
+            <p:ph idx="1"/>
+          </p:nvPr>
+        </p:nvSpPr>
+        <p:spPr>
+          <a:xfrm>
+            <a:off x="5131838" y="1520890"/>
+            <a:ext cx="6221962" cy="4656073"/>
+          </a:xfrm>
+        </p:spPr>
+        <p:txBody>
+          <a:bodyPr>
+            <a:normAutofit fontScale="85000" lnSpcReduction="20000"/>
+          </a:bodyPr>
+          <a:lstStyle/>
+          <a:p>
+            <a:pPr marL="457200" lvl="1" indent="0">
+              <a:buNone/>
+            </a:pPr>
+            <a:r>
+              <a:rPr lang="en-US" dirty="0"/>
+              <a:t>library(</a:t>
+            </a:r>
+            <a:r>
+              <a:rPr lang="en-US" dirty="0" err="1"/>
+              <a:t>dplyr</a:t>
+            </a:r>
+            <a:r>
+              <a:rPr lang="en-US" dirty="0"/>
+              <a:t>)</a:t>
+            </a:r>
+          </a:p>
+          <a:p>
+            <a:pPr marL="457200" lvl="1" indent="0">
+              <a:buNone/>
+            </a:pPr>
+            <a:r>
+              <a:rPr lang="en-US" dirty="0"/>
+              <a:t>library(ROI)</a:t>
+            </a:r>
+          </a:p>
+          <a:p>
+            <a:pPr marL="457200" lvl="1" indent="0">
+              <a:buNone/>
+            </a:pPr>
+            <a:r>
+              <a:rPr lang="en-US" dirty="0"/>
+              <a:t>library(</a:t>
+            </a:r>
+            <a:r>
+              <a:rPr lang="en-US" dirty="0" err="1"/>
+              <a:t>ROI.plugin.glpk</a:t>
+            </a:r>
+            <a:r>
+              <a:rPr lang="en-US" dirty="0"/>
+              <a:t>)</a:t>
+            </a:r>
+          </a:p>
+          <a:p>
+            <a:pPr marL="457200" lvl="1" indent="0">
+              <a:buNone/>
+            </a:pPr>
+            <a:r>
+              <a:rPr lang="en-US" dirty="0"/>
+              <a:t>library(</a:t>
+            </a:r>
+            <a:r>
+              <a:rPr lang="en-US" dirty="0" err="1"/>
+              <a:t>ompr</a:t>
+            </a:r>
+            <a:r>
+              <a:rPr lang="en-US" dirty="0"/>
+              <a:t>)</a:t>
+            </a:r>
+          </a:p>
+          <a:p>
+            <a:pPr marL="457200" lvl="1" indent="0">
+              <a:buNone/>
+            </a:pPr>
+            <a:r>
+              <a:rPr lang="en-US" dirty="0"/>
+              <a:t>library(</a:t>
+            </a:r>
+            <a:r>
+              <a:rPr lang="en-US" dirty="0" err="1"/>
+              <a:t>ompr.roi</a:t>
+            </a:r>
+            <a:r>
+              <a:rPr lang="en-US" dirty="0"/>
+              <a:t>)</a:t>
+            </a:r>
+          </a:p>
+          <a:p>
+            <a:pPr lvl="1"/>
+            <a:endParaRPr lang="en-US" dirty="0"/>
+          </a:p>
+          <a:p>
+            <a:pPr marL="457200" lvl="1" indent="0">
+              <a:buNone/>
+            </a:pPr>
+            <a:r>
+              <a:rPr lang="en-US" dirty="0"/>
+              <a:t>result &lt;- </a:t>
+            </a:r>
+            <a:r>
+              <a:rPr lang="en-US" dirty="0" err="1"/>
+              <a:t>MIPModel</a:t>
+            </a:r>
+            <a:r>
+              <a:rPr lang="en-US" dirty="0"/>
+              <a:t>() %&gt;%</a:t>
+            </a:r>
+          </a:p>
+          <a:p>
+            <a:pPr marL="457200" lvl="1" indent="0">
+              <a:buNone/>
+            </a:pPr>
+            <a:r>
+              <a:rPr lang="en-US" dirty="0"/>
+              <a:t>  </a:t>
+            </a:r>
+            <a:r>
+              <a:rPr lang="en-US" dirty="0" err="1"/>
+              <a:t>add_variable</a:t>
+            </a:r>
+            <a:r>
+              <a:rPr lang="en-US" dirty="0"/>
+              <a:t>(x, type = "continuous",) %&gt;%</a:t>
+            </a:r>
+          </a:p>
+          <a:p>
+            <a:pPr marL="457200" lvl="1" indent="0">
+              <a:buNone/>
+            </a:pPr>
+            <a:r>
+              <a:rPr lang="en-US" dirty="0"/>
+              <a:t>  </a:t>
+            </a:r>
+            <a:r>
+              <a:rPr lang="en-US" dirty="0" err="1"/>
+              <a:t>add_variable</a:t>
+            </a:r>
+            <a:r>
+              <a:rPr lang="en-US" dirty="0"/>
+              <a:t>(y, type = "continuous", </a:t>
+            </a:r>
+            <a:r>
+              <a:rPr lang="en-US" dirty="0" err="1"/>
+              <a:t>lb</a:t>
+            </a:r>
+            <a:r>
+              <a:rPr lang="en-US" dirty="0"/>
+              <a:t> = 0) %&gt;%</a:t>
+            </a:r>
+          </a:p>
+          <a:p>
+            <a:pPr marL="457200" lvl="1" indent="0">
+              <a:buNone/>
+            </a:pPr>
+            <a:r>
+              <a:rPr lang="en-US" dirty="0"/>
+              <a:t>  </a:t>
+            </a:r>
+            <a:r>
+              <a:rPr lang="en-US" dirty="0" err="1"/>
+              <a:t>set_bounds</a:t>
+            </a:r>
+            <a:r>
+              <a:rPr lang="en-US" dirty="0"/>
+              <a:t>(x, </a:t>
+            </a:r>
+            <a:r>
+              <a:rPr lang="en-US" dirty="0" err="1"/>
+              <a:t>lb</a:t>
+            </a:r>
+            <a:r>
+              <a:rPr lang="en-US" dirty="0"/>
+              <a:t> = 0) %&gt;%</a:t>
+            </a:r>
+          </a:p>
+          <a:p>
+            <a:pPr marL="457200" lvl="1" indent="0">
+              <a:buNone/>
+            </a:pPr>
+            <a:r>
+              <a:rPr lang="en-US" dirty="0"/>
+              <a:t>  </a:t>
+            </a:r>
+            <a:r>
+              <a:rPr lang="en-US" dirty="0" err="1"/>
+              <a:t>set_objective</a:t>
+            </a:r>
+            <a:r>
+              <a:rPr lang="en-US" dirty="0"/>
+              <a:t>(2*x +3*y, "min") %&gt;%</a:t>
+            </a:r>
+          </a:p>
+          <a:p>
+            <a:pPr marL="457200" lvl="1" indent="0">
+              <a:buNone/>
+            </a:pPr>
+            <a:r>
+              <a:rPr lang="en-US" dirty="0"/>
+              <a:t>  </a:t>
+            </a:r>
+            <a:r>
+              <a:rPr lang="en-US" dirty="0" err="1"/>
+              <a:t>add_constraint</a:t>
+            </a:r>
+            <a:r>
+              <a:rPr lang="en-US" dirty="0"/>
+              <a:t>(3*x + 4*y &gt;= 1) %&gt;%</a:t>
+            </a:r>
+          </a:p>
+          <a:p>
+            <a:pPr marL="457200" lvl="1" indent="0">
+              <a:buNone/>
+            </a:pPr>
+            <a:r>
+              <a:rPr lang="en-US" dirty="0"/>
+              <a:t>  </a:t>
+            </a:r>
+            <a:r>
+              <a:rPr lang="en-US" dirty="0" err="1"/>
+              <a:t>solve_model</a:t>
+            </a:r>
+            <a:r>
+              <a:rPr lang="en-US" dirty="0"/>
+              <a:t>(</a:t>
+            </a:r>
+            <a:r>
+              <a:rPr lang="en-US" dirty="0" err="1"/>
+              <a:t>with_ROI</a:t>
+            </a:r>
+            <a:r>
+              <a:rPr lang="en-US" dirty="0"/>
+              <a:t>(solver = "</a:t>
+            </a:r>
+            <a:r>
+              <a:rPr lang="en-US" dirty="0" err="1"/>
+              <a:t>glpk</a:t>
+            </a:r>
+            <a:r>
+              <a:rPr lang="en-US" dirty="0"/>
+              <a:t>"))</a:t>
+            </a:r>
+          </a:p>
+          <a:p>
+            <a:pPr marL="457200" lvl="1" indent="0">
+              <a:buNone/>
+            </a:pPr>
+            <a:endParaRPr lang="en-US" dirty="0"/>
+          </a:p>
+          <a:p>
+            <a:pPr marL="457200" lvl="1" indent="0">
+              <a:buNone/>
+            </a:pPr>
+            <a:r>
+              <a:rPr lang="en-US" dirty="0" err="1"/>
+              <a:t>get_solution</a:t>
+            </a:r>
+            <a:r>
+              <a:rPr lang="en-US" dirty="0"/>
+              <a:t>(result, x)</a:t>
+            </a:r>
+          </a:p>
+          <a:p>
+            <a:pPr marL="457200" lvl="1" indent="0">
+              <a:buNone/>
+            </a:pPr>
+            <a:r>
+              <a:rPr lang="en-US" dirty="0" err="1"/>
+              <a:t>get_solution</a:t>
+            </a:r>
+            <a:r>
+              <a:rPr lang="en-US" dirty="0"/>
+              <a:t>(result, y)</a:t>
+            </a:r>
+          </a:p>
+          <a:p>
+            <a:pPr marL="457200" lvl="1" indent="0">
+              <a:buNone/>
+            </a:pPr>
+            <a:endParaRPr lang="en-US" dirty="0"/>
+          </a:p>
+        </p:txBody>
+      </p:sp>
+      <p:sp>
+        <p:nvSpPr>
+          <p:cNvPr id="4" name="TextBox 3">
+            <a:extLst>
+              <a:ext uri="{FF2B5EF4-FFF2-40B4-BE49-F238E27FC236}">
+                <a16:creationId xmlns:a16="http://schemas.microsoft.com/office/drawing/2014/main" id="{C7EEEAFA-6A27-4A45-A338-919FFB3B6608}"/>
+              </a:ext>
+            </a:extLst>
+          </p:cNvPr>
+          <p:cNvSpPr txBox="1"/>
+          <p:nvPr/>
+        </p:nvSpPr>
+        <p:spPr>
+          <a:xfrm>
+            <a:off x="933061" y="1884783"/>
+            <a:ext cx="4198776" cy="4062651"/>
+          </a:xfrm>
+          <a:prstGeom prst="rect">
+            <a:avLst/>
+          </a:prstGeom>
+          <a:noFill/>
+        </p:spPr>
+        <p:txBody>
+          <a:bodyPr wrap="square" rtlCol="0">
+            <a:spAutoFit/>
+          </a:bodyPr>
+          <a:lstStyle/>
+          <a:p>
+            <a:r>
+              <a:rPr lang="en-US" sz="2800" b="1" dirty="0"/>
+              <a:t>Variables:</a:t>
+            </a:r>
+          </a:p>
+          <a:p>
+            <a:r>
+              <a:rPr lang="en-US" sz="2400" dirty="0"/>
+              <a:t>X : continuous, [0, +inf)</a:t>
+            </a:r>
+          </a:p>
+          <a:p>
+            <a:r>
+              <a:rPr lang="en-US" sz="2400" dirty="0"/>
+              <a:t>Y : continuous, [0, +inf)</a:t>
+            </a:r>
+          </a:p>
+          <a:p>
+            <a:endParaRPr lang="en-US" sz="2400" dirty="0"/>
+          </a:p>
+          <a:p>
+            <a:r>
+              <a:rPr lang="en-US" sz="2800" b="1" dirty="0"/>
+              <a:t>Constraint</a:t>
+            </a:r>
+            <a:r>
+              <a:rPr lang="en-US" sz="2800" dirty="0"/>
+              <a:t>:</a:t>
+            </a:r>
+          </a:p>
+          <a:p>
+            <a:r>
+              <a:rPr lang="en-US" sz="2400" dirty="0"/>
+              <a:t>3X + 4Y &gt; 1</a:t>
+            </a:r>
+          </a:p>
+          <a:p>
+            <a:endParaRPr lang="en-US" sz="2800" dirty="0"/>
+          </a:p>
+          <a:p>
+            <a:r>
+              <a:rPr lang="en-US" sz="2800" b="1" dirty="0"/>
+              <a:t>Objective</a:t>
+            </a:r>
+            <a:r>
+              <a:rPr lang="en-US" sz="2800" dirty="0"/>
+              <a:t>: </a:t>
+            </a:r>
+          </a:p>
+          <a:p>
+            <a:r>
+              <a:rPr lang="en-US" sz="2400" dirty="0"/>
+              <a:t>Minimize 2X+3Y</a:t>
+            </a:r>
+          </a:p>
+          <a:p>
+            <a:endParaRPr lang="en-US" dirty="0"/>
+          </a:p>
+        </p:txBody>
+      </p:sp>
+    </p:spTree>
+    <p:extLst>
+      <p:ext uri="{BB962C8B-B14F-4D97-AF65-F5344CB8AC3E}">
+        <p14:creationId xmlns:p14="http://schemas.microsoft.com/office/powerpoint/2010/main" val="3811462916"/>
+      </p:ext>
+    </p:extLst>
+  </p:cSld>
+  <p:clrMapOvr>
+    <a:masterClrMapping/>
+  </p:clrMapOvr>
+</p:sld>
+</file>
+
+<file path=ppt/slides/slide21.xml><?xml version="1.0" encoding="utf-8"?>
+<p:sld xmlns:a="http://schemas.openxmlformats.org/drawingml/2006/main" xmlns:r="http://schemas.openxmlformats.org/officeDocument/2006/relationships" xmlns:p="http://schemas.openxmlformats.org/presentationml/2006/main">
+  <p:cSld>
+    <p:spTree>
+      <p:nvGrpSpPr>
+        <p:cNvPr id="1" name=""/>
+        <p:cNvGrpSpPr/>
+        <p:nvPr/>
+      </p:nvGrpSpPr>
+      <p:grpSpPr>
+        <a:xfrm>
+          <a:off x="0" y="0"/>
+          <a:ext cx="0" cy="0"/>
+          <a:chOff x="0" y="0"/>
+          <a:chExt cx="0" cy="0"/>
+        </a:xfrm>
+      </p:grpSpPr>
+      <p:sp>
+        <p:nvSpPr>
+          <p:cNvPr id="2" name="Title 1">
+            <a:extLst>
+              <a:ext uri="{FF2B5EF4-FFF2-40B4-BE49-F238E27FC236}">
+                <a16:creationId xmlns:a16="http://schemas.microsoft.com/office/drawing/2014/main" id="{FF5EF3CA-1D3E-4DF3-A358-239F5FCEAF68}"/>
+              </a:ext>
+            </a:extLst>
+          </p:cNvPr>
+          <p:cNvSpPr>
+            <a:spLocks noGrp="1"/>
+          </p:cNvSpPr>
+          <p:nvPr>
+            <p:ph type="title"/>
+          </p:nvPr>
+        </p:nvSpPr>
+        <p:spPr/>
+        <p:txBody>
+          <a:bodyPr/>
+          <a:lstStyle/>
+          <a:p>
+            <a:r>
+              <a:rPr lang="en-US" dirty="0"/>
+              <a:t>Use python (Pyomo)</a:t>
+            </a:r>
+          </a:p>
+        </p:txBody>
+      </p:sp>
+      <p:sp>
+        <p:nvSpPr>
+          <p:cNvPr id="4" name="Content Placeholder 3">
+            <a:extLst>
+              <a:ext uri="{FF2B5EF4-FFF2-40B4-BE49-F238E27FC236}">
+                <a16:creationId xmlns:a16="http://schemas.microsoft.com/office/drawing/2014/main" id="{BACA9D49-BD42-4077-87B4-E3111D246356}"/>
+              </a:ext>
+            </a:extLst>
+          </p:cNvPr>
+          <p:cNvSpPr txBox="1">
+            <a:spLocks noGrp="1"/>
+          </p:cNvSpPr>
+          <p:nvPr>
+            <p:ph idx="1"/>
+          </p:nvPr>
+        </p:nvSpPr>
+        <p:spPr>
+          <a:xfrm>
+            <a:off x="838200" y="1825625"/>
+            <a:ext cx="4200331" cy="4902881"/>
+          </a:xfrm>
+          <a:prstGeom prst="rect">
+            <a:avLst/>
+          </a:prstGeom>
+          <a:noFill/>
+        </p:spPr>
+        <p:txBody>
+          <a:bodyPr wrap="square" rtlCol="0">
+            <a:spAutoFit/>
+          </a:bodyPr>
+          <a:lstStyle/>
+          <a:p>
+            <a:r>
+              <a:rPr lang="en-US" sz="2800" b="1" dirty="0"/>
+              <a:t>Variables:</a:t>
+            </a:r>
+          </a:p>
+          <a:p>
+            <a:r>
+              <a:rPr lang="en-US" sz="2400" dirty="0"/>
+              <a:t>X : continuous, [0, +inf)</a:t>
+            </a:r>
+          </a:p>
+          <a:p>
+            <a:r>
+              <a:rPr lang="en-US" sz="2400" dirty="0"/>
+              <a:t>Y : continuous, [0, +inf)</a:t>
+            </a:r>
+          </a:p>
+          <a:p>
+            <a:endParaRPr lang="en-US" sz="2800" dirty="0"/>
+          </a:p>
+          <a:p>
+            <a:r>
+              <a:rPr lang="en-US" sz="2800" b="1" dirty="0"/>
+              <a:t>Constraint</a:t>
+            </a:r>
+            <a:r>
+              <a:rPr lang="en-US" sz="2800" dirty="0"/>
+              <a:t>:</a:t>
+            </a:r>
+          </a:p>
+          <a:p>
+            <a:r>
+              <a:rPr lang="en-US" sz="2400" dirty="0"/>
+              <a:t>3X + 4Y &gt;= 1</a:t>
+            </a:r>
+          </a:p>
+          <a:p>
+            <a:endParaRPr lang="en-US" sz="2800" dirty="0"/>
+          </a:p>
+          <a:p>
+            <a:r>
+              <a:rPr lang="en-US" sz="2800" b="1" dirty="0"/>
+              <a:t>Objective</a:t>
+            </a:r>
+            <a:r>
+              <a:rPr lang="en-US" sz="2800" dirty="0"/>
+              <a:t>: </a:t>
+            </a:r>
+          </a:p>
+          <a:p>
+            <a:r>
+              <a:rPr lang="en-US" sz="2400" dirty="0"/>
+              <a:t>Minimize 2X+3Y</a:t>
+            </a:r>
+          </a:p>
+          <a:p>
+            <a:endParaRPr lang="en-US" dirty="0"/>
+          </a:p>
+        </p:txBody>
+      </p:sp>
+      <p:sp>
+        <p:nvSpPr>
+          <p:cNvPr id="5" name="TextBox 4">
+            <a:extLst>
+              <a:ext uri="{FF2B5EF4-FFF2-40B4-BE49-F238E27FC236}">
+                <a16:creationId xmlns:a16="http://schemas.microsoft.com/office/drawing/2014/main" id="{096A11E9-2335-4DF7-B59A-B89A2DEB7B00}"/>
+              </a:ext>
+            </a:extLst>
+          </p:cNvPr>
+          <p:cNvSpPr txBox="1"/>
+          <p:nvPr/>
+        </p:nvSpPr>
+        <p:spPr>
+          <a:xfrm>
+            <a:off x="6096000" y="1978090"/>
+            <a:ext cx="184731" cy="369332"/>
+          </a:xfrm>
+          <a:prstGeom prst="rect">
+            <a:avLst/>
+          </a:prstGeom>
+          <a:noFill/>
+        </p:spPr>
+        <p:txBody>
+          <a:bodyPr wrap="none" rtlCol="0">
+            <a:spAutoFit/>
+          </a:bodyPr>
+          <a:lstStyle/>
+          <a:p>
+            <a:endParaRPr lang="en-US" dirty="0"/>
+          </a:p>
+        </p:txBody>
+      </p:sp>
+      <p:sp>
+        <p:nvSpPr>
+          <p:cNvPr id="8" name="Rectangle 7">
+            <a:extLst>
+              <a:ext uri="{FF2B5EF4-FFF2-40B4-BE49-F238E27FC236}">
+                <a16:creationId xmlns:a16="http://schemas.microsoft.com/office/drawing/2014/main" id="{BEFB41B6-BB09-4549-B8E8-0F0B960EF47F}"/>
+              </a:ext>
+            </a:extLst>
+          </p:cNvPr>
+          <p:cNvSpPr/>
+          <p:nvPr/>
+        </p:nvSpPr>
+        <p:spPr>
+          <a:xfrm>
+            <a:off x="4149969" y="1788303"/>
+            <a:ext cx="7203831" cy="4801314"/>
+          </a:xfrm>
+          <a:prstGeom prst="rect">
+            <a:avLst/>
+          </a:prstGeom>
+        </p:spPr>
+        <p:txBody>
+          <a:bodyPr wrap="square">
+            <a:spAutoFit/>
+          </a:bodyPr>
+          <a:lstStyle/>
+          <a:p>
+            <a:r>
+              <a:rPr lang="en-US" dirty="0"/>
+              <a:t>from </a:t>
+            </a:r>
+            <a:r>
+              <a:rPr lang="en-US" dirty="0" err="1"/>
+              <a:t>pyomo.environ</a:t>
+            </a:r>
+            <a:r>
+              <a:rPr lang="en-US" dirty="0"/>
+              <a:t> import *</a:t>
+            </a:r>
+          </a:p>
+          <a:p>
+            <a:r>
+              <a:rPr lang="en-US" dirty="0"/>
+              <a:t>model = </a:t>
+            </a:r>
+            <a:r>
+              <a:rPr lang="en-US" dirty="0" err="1"/>
+              <a:t>ConcreteModel</a:t>
+            </a:r>
+            <a:r>
+              <a:rPr lang="en-US" dirty="0"/>
+              <a:t>()</a:t>
+            </a:r>
+          </a:p>
+          <a:p>
+            <a:endParaRPr lang="en-US" dirty="0"/>
+          </a:p>
+          <a:p>
+            <a:r>
+              <a:rPr lang="en-US" dirty="0" err="1"/>
+              <a:t>model.x</a:t>
+            </a:r>
+            <a:r>
+              <a:rPr lang="en-US" dirty="0"/>
+              <a:t> = Var(domain=</a:t>
+            </a:r>
+            <a:r>
+              <a:rPr lang="en-US" dirty="0" err="1"/>
+              <a:t>NonNegativeReals</a:t>
+            </a:r>
+            <a:r>
+              <a:rPr lang="en-US" dirty="0"/>
+              <a:t>)</a:t>
+            </a:r>
+          </a:p>
+          <a:p>
+            <a:r>
+              <a:rPr lang="en-US" dirty="0" err="1"/>
+              <a:t>model.y</a:t>
+            </a:r>
+            <a:r>
+              <a:rPr lang="en-US" dirty="0"/>
+              <a:t> = Var( domain=</a:t>
+            </a:r>
+            <a:r>
+              <a:rPr lang="en-US" dirty="0" err="1"/>
+              <a:t>NonNegativeReals</a:t>
+            </a:r>
+            <a:r>
+              <a:rPr lang="en-US" dirty="0"/>
+              <a:t>)</a:t>
+            </a:r>
+          </a:p>
+          <a:p>
+            <a:endParaRPr lang="en-US" dirty="0"/>
+          </a:p>
+          <a:p>
+            <a:endParaRPr lang="en-US" dirty="0"/>
+          </a:p>
+          <a:p>
+            <a:endParaRPr lang="en-US" dirty="0"/>
+          </a:p>
+          <a:p>
+            <a:r>
+              <a:rPr lang="en-US" dirty="0"/>
+              <a:t>model.Constraint1 = Constraint(expr = 3*</a:t>
+            </a:r>
+            <a:r>
+              <a:rPr lang="en-US" dirty="0" err="1"/>
+              <a:t>model.x</a:t>
+            </a:r>
+            <a:r>
+              <a:rPr lang="en-US" dirty="0"/>
+              <a:t> + 4*</a:t>
+            </a:r>
+            <a:r>
+              <a:rPr lang="en-US" dirty="0" err="1"/>
+              <a:t>model.y</a:t>
+            </a:r>
+            <a:r>
+              <a:rPr lang="en-US" dirty="0"/>
+              <a:t> &gt;= 1)</a:t>
+            </a:r>
+          </a:p>
+          <a:p>
+            <a:r>
+              <a:rPr lang="en-US" dirty="0"/>
+              <a:t>model.OBJ = Objective(expr = 2* </a:t>
+            </a:r>
+            <a:r>
+              <a:rPr lang="en-US" dirty="0" err="1"/>
+              <a:t>model.x</a:t>
+            </a:r>
+            <a:r>
+              <a:rPr lang="en-US" dirty="0"/>
+              <a:t> + 3*</a:t>
+            </a:r>
+            <a:r>
+              <a:rPr lang="en-US" dirty="0" err="1"/>
+              <a:t>model.y</a:t>
+            </a:r>
+            <a:r>
+              <a:rPr lang="en-US" dirty="0"/>
+              <a:t>)</a:t>
+            </a:r>
+          </a:p>
+          <a:p>
+            <a:endParaRPr lang="en-US" dirty="0"/>
+          </a:p>
+          <a:p>
+            <a:endParaRPr lang="en-US" dirty="0"/>
+          </a:p>
+          <a:p>
+            <a:endParaRPr lang="en-US" dirty="0"/>
+          </a:p>
+          <a:p>
+            <a:endParaRPr lang="en-US" dirty="0"/>
+          </a:p>
+          <a:p>
+            <a:r>
+              <a:rPr lang="en-US" dirty="0"/>
+              <a:t>solver=</a:t>
+            </a:r>
+            <a:r>
+              <a:rPr lang="en-US" dirty="0" err="1"/>
+              <a:t>SolverFactory</a:t>
+            </a:r>
+            <a:r>
+              <a:rPr lang="en-US" dirty="0"/>
+              <a:t>("</a:t>
+            </a:r>
+            <a:r>
+              <a:rPr lang="en-US" dirty="0" err="1"/>
+              <a:t>glpk</a:t>
+            </a:r>
+            <a:r>
+              <a:rPr lang="en-US" dirty="0"/>
+              <a:t>")</a:t>
+            </a:r>
+          </a:p>
+          <a:p>
+            <a:r>
+              <a:rPr lang="en-US" dirty="0" err="1"/>
+              <a:t>solver.solve</a:t>
+            </a:r>
+            <a:r>
+              <a:rPr lang="en-US" dirty="0"/>
+              <a:t>(model)</a:t>
+            </a:r>
+          </a:p>
+          <a:p>
+            <a:endParaRPr lang="en-US" dirty="0"/>
+          </a:p>
+        </p:txBody>
+      </p:sp>
+    </p:spTree>
+    <p:extLst>
+      <p:ext uri="{BB962C8B-B14F-4D97-AF65-F5344CB8AC3E}">
+        <p14:creationId xmlns:p14="http://schemas.microsoft.com/office/powerpoint/2010/main" val="3955884181"/>
+      </p:ext>
+    </p:extLst>
+  </p:cSld>
+  <p:clrMapOvr>
+    <a:masterClrMapping/>
+  </p:clrMapOvr>
+</p:sld>
+</file>
+
+<file path=ppt/slides/slide22.xml><?xml version="1.0" encoding="utf-8"?>
+<p:sld xmlns:a="http://schemas.openxmlformats.org/drawingml/2006/main" xmlns:r="http://schemas.openxmlformats.org/officeDocument/2006/relationships" xmlns:p="http://schemas.openxmlformats.org/presentationml/2006/main">
+  <p:cSld>
+    <p:spTree>
+      <p:nvGrpSpPr>
+        <p:cNvPr id="1" name=""/>
+        <p:cNvGrpSpPr/>
+        <p:nvPr/>
+      </p:nvGrpSpPr>
+      <p:grpSpPr>
+        <a:xfrm>
+          <a:off x="0" y="0"/>
+          <a:ext cx="0" cy="0"/>
+          <a:chOff x="0" y="0"/>
+          <a:chExt cx="0" cy="0"/>
+        </a:xfrm>
+      </p:grpSpPr>
+      <p:sp>
+        <p:nvSpPr>
+          <p:cNvPr id="2" name="Title 1">
+            <a:extLst>
+              <a:ext uri="{FF2B5EF4-FFF2-40B4-BE49-F238E27FC236}">
+                <a16:creationId xmlns:a16="http://schemas.microsoft.com/office/drawing/2014/main" id="{CD1EC03D-391A-4C9B-B7B7-7C9FD552A104}"/>
+              </a:ext>
+            </a:extLst>
+          </p:cNvPr>
+          <p:cNvSpPr>
+            <a:spLocks noGrp="1"/>
+          </p:cNvSpPr>
+          <p:nvPr>
+            <p:ph type="title"/>
+          </p:nvPr>
+        </p:nvSpPr>
+        <p:spPr/>
+        <p:txBody>
+          <a:bodyPr/>
+          <a:lstStyle/>
+          <a:p>
+            <a:r>
+              <a:rPr lang="en-US" dirty="0"/>
+              <a:t>Reference </a:t>
+            </a:r>
+          </a:p>
+        </p:txBody>
+      </p:sp>
+      <p:sp>
+        <p:nvSpPr>
+          <p:cNvPr id="3" name="Content Placeholder 2">
+            <a:extLst>
+              <a:ext uri="{FF2B5EF4-FFF2-40B4-BE49-F238E27FC236}">
+                <a16:creationId xmlns:a16="http://schemas.microsoft.com/office/drawing/2014/main" id="{A8233770-8987-4C4E-B26D-FE5BCDECB9F6}"/>
+              </a:ext>
+            </a:extLst>
+          </p:cNvPr>
+          <p:cNvSpPr>
+            <a:spLocks noGrp="1"/>
+          </p:cNvSpPr>
+          <p:nvPr>
+            <p:ph idx="1"/>
+          </p:nvPr>
+        </p:nvSpPr>
+        <p:spPr/>
+        <p:txBody>
+          <a:bodyPr/>
+          <a:lstStyle/>
+          <a:p>
+            <a:r>
+              <a:rPr lang="en-US" dirty="0"/>
+              <a:t>Python: </a:t>
+            </a:r>
+            <a:r>
+              <a:rPr lang="en-US" dirty="0">
+                <a:hlinkClick r:id="rId2"/>
+              </a:rPr>
+              <a:t>https://pyomo.readthedocs.io/en/stable/index.html</a:t>
+            </a:r>
+            <a:endParaRPr lang="en-US" dirty="0"/>
+          </a:p>
+          <a:p>
+            <a:r>
+              <a:rPr lang="en-US" dirty="0"/>
+              <a:t>R: </a:t>
+            </a:r>
+            <a:r>
+              <a:rPr lang="en-US" dirty="0">
+                <a:hlinkClick r:id="rId3"/>
+              </a:rPr>
+              <a:t>https://dirkschumacher.github.io/ompr/index.html</a:t>
+            </a:r>
+            <a:endParaRPr lang="en-US" dirty="0"/>
+          </a:p>
+          <a:p>
+            <a:endParaRPr lang="en-US" dirty="0"/>
+          </a:p>
+        </p:txBody>
+      </p:sp>
+    </p:spTree>
+    <p:extLst>
+      <p:ext uri="{BB962C8B-B14F-4D97-AF65-F5344CB8AC3E}">
+        <p14:creationId xmlns:p14="http://schemas.microsoft.com/office/powerpoint/2010/main" val="2550923091"/>
+      </p:ext>
+    </p:extLst>
+  </p:cSld>
+  <p:clrMapOvr>
+    <a:masterClrMapping/>
+  </p:clrMapOvr>
+</p:sld>
+</file>
+
+<file path=ppt/slides/slide23.xml><?xml version="1.0" encoding="utf-8"?>
+<p:sld xmlns:a="http://schemas.openxmlformats.org/drawingml/2006/main" xmlns:r="http://schemas.openxmlformats.org/officeDocument/2006/relationships" xmlns:p="http://schemas.openxmlformats.org/presentationml/2006/main">
+  <p:cSld>
+    <p:spTree>
+      <p:nvGrpSpPr>
+        <p:cNvPr id="1" name=""/>
+        <p:cNvGrpSpPr/>
+        <p:nvPr/>
+      </p:nvGrpSpPr>
+      <p:grpSpPr>
+        <a:xfrm>
+          <a:off x="0" y="0"/>
+          <a:ext cx="0" cy="0"/>
+          <a:chOff x="0" y="0"/>
+          <a:chExt cx="0" cy="0"/>
+        </a:xfrm>
+      </p:grpSpPr>
+      <p:sp>
+        <p:nvSpPr>
+          <p:cNvPr id="2" name="Title 1">
+            <a:extLst>
+              <a:ext uri="{FF2B5EF4-FFF2-40B4-BE49-F238E27FC236}">
+                <a16:creationId xmlns:a16="http://schemas.microsoft.com/office/drawing/2014/main" id="{C2FC9EC9-D771-244F-A9C2-B62C7D6D49FE}"/>
+              </a:ext>
+            </a:extLst>
+          </p:cNvPr>
+          <p:cNvSpPr>
+            <a:spLocks noGrp="1"/>
+          </p:cNvSpPr>
+          <p:nvPr>
+            <p:ph type="title"/>
+          </p:nvPr>
+        </p:nvSpPr>
+        <p:spPr/>
+        <p:txBody>
+          <a:bodyPr/>
+          <a:lstStyle/>
+          <a:p>
+            <a:r>
+              <a:rPr lang="en-US" dirty="0"/>
+              <a:t>Knapsack problem </a:t>
+            </a:r>
+          </a:p>
+        </p:txBody>
+      </p:sp>
+      <p:sp>
+        <p:nvSpPr>
+          <p:cNvPr id="3" name="Content Placeholder 2">
+            <a:extLst>
+              <a:ext uri="{FF2B5EF4-FFF2-40B4-BE49-F238E27FC236}">
+                <a16:creationId xmlns:a16="http://schemas.microsoft.com/office/drawing/2014/main" id="{C1C87BBC-B10C-4C4C-8635-C196B804CD6E}"/>
+              </a:ext>
+            </a:extLst>
+          </p:cNvPr>
+          <p:cNvSpPr>
+            <a:spLocks noGrp="1"/>
+          </p:cNvSpPr>
+          <p:nvPr>
+            <p:ph idx="1"/>
+          </p:nvPr>
+        </p:nvSpPr>
+        <p:spPr/>
+        <p:txBody>
+          <a:bodyPr/>
+          <a:lstStyle/>
+          <a:p>
+            <a:endParaRPr lang="en-US"/>
+          </a:p>
+        </p:txBody>
+      </p:sp>
+    </p:spTree>
+    <p:extLst>
+      <p:ext uri="{BB962C8B-B14F-4D97-AF65-F5344CB8AC3E}">
+        <p14:creationId xmlns:p14="http://schemas.microsoft.com/office/powerpoint/2010/main" val="3443510779"/>
+      </p:ext>
+    </p:extLst>
+  </p:cSld>
+  <p:clrMapOvr>
+    <a:masterClrMapping/>
+  </p:clrMapOvr>
+</p:sld>
+</file>
+
+<file path=ppt/slides/slide3.xml><?xml version="1.0" encoding="utf-8"?>
 <p:sld xmlns:a="http://schemas.openxmlformats.org/drawingml/2006/main" xmlns:r="http://schemas.openxmlformats.org/officeDocument/2006/relationships" xmlns:p="http://schemas.openxmlformats.org/presentationml/2006/main">
   <p:cSld>
     <p:bg>
@@ -26056,985 +27244,7 @@
 </p:sld>
 </file>
 
-<file path=ppt/slides/slide20.xml><?xml version="1.0" encoding="utf-8"?>
-<p:sld xmlns:a="http://schemas.openxmlformats.org/drawingml/2006/main" xmlns:r="http://schemas.openxmlformats.org/officeDocument/2006/relationships" xmlns:p="http://schemas.openxmlformats.org/presentationml/2006/main">
-  <p:cSld>
-    <p:spTree>
-      <p:nvGrpSpPr>
-        <p:cNvPr id="1" name=""/>
-        <p:cNvGrpSpPr/>
-        <p:nvPr/>
-      </p:nvGrpSpPr>
-      <p:grpSpPr>
-        <a:xfrm>
-          <a:off x="0" y="0"/>
-          <a:ext cx="0" cy="0"/>
-          <a:chOff x="0" y="0"/>
-          <a:chExt cx="0" cy="0"/>
-        </a:xfrm>
-      </p:grpSpPr>
-      <p:sp>
-        <p:nvSpPr>
-          <p:cNvPr id="2" name="Title 1">
-            <a:extLst>
-              <a:ext uri="{FF2B5EF4-FFF2-40B4-BE49-F238E27FC236}">
-                <a16:creationId xmlns:a16="http://schemas.microsoft.com/office/drawing/2014/main" id="{52D335AB-6409-45BF-9EAA-3E53B1CE8E15}"/>
-              </a:ext>
-            </a:extLst>
-          </p:cNvPr>
-          <p:cNvSpPr>
-            <a:spLocks noGrp="1"/>
-          </p:cNvSpPr>
-          <p:nvPr>
-            <p:ph type="title"/>
-          </p:nvPr>
-        </p:nvSpPr>
-        <p:spPr>
-          <a:xfrm>
-            <a:off x="671804" y="365125"/>
-            <a:ext cx="10681996" cy="1325563"/>
-          </a:xfrm>
-        </p:spPr>
-        <p:txBody>
-          <a:bodyPr/>
-          <a:lstStyle/>
-          <a:p>
-            <a:r>
-              <a:rPr lang="en-US" dirty="0"/>
-              <a:t>Using R (OMPR,ROI, </a:t>
-            </a:r>
-            <a:r>
-              <a:rPr lang="en-US" dirty="0" err="1"/>
-              <a:t>ompr.roi</a:t>
-            </a:r>
-            <a:r>
-              <a:rPr lang="en-US" dirty="0"/>
-              <a:t>, </a:t>
-            </a:r>
-            <a:r>
-              <a:rPr lang="en-US" dirty="0" err="1"/>
-              <a:t>ROI.plugin.glpk</a:t>
-            </a:r>
-            <a:r>
-              <a:rPr lang="en-US" dirty="0"/>
-              <a:t> )</a:t>
-            </a:r>
-          </a:p>
-        </p:txBody>
-      </p:sp>
-      <p:sp>
-        <p:nvSpPr>
-          <p:cNvPr id="3" name="Content Placeholder 2">
-            <a:extLst>
-              <a:ext uri="{FF2B5EF4-FFF2-40B4-BE49-F238E27FC236}">
-                <a16:creationId xmlns:a16="http://schemas.microsoft.com/office/drawing/2014/main" id="{ECD609B5-2D98-4C51-B429-F7B24FD1F985}"/>
-              </a:ext>
-            </a:extLst>
-          </p:cNvPr>
-          <p:cNvSpPr>
-            <a:spLocks noGrp="1"/>
-          </p:cNvSpPr>
-          <p:nvPr>
-            <p:ph idx="1"/>
-          </p:nvPr>
-        </p:nvSpPr>
-        <p:spPr>
-          <a:xfrm>
-            <a:off x="5131838" y="1520890"/>
-            <a:ext cx="6221962" cy="4656073"/>
-          </a:xfrm>
-        </p:spPr>
-        <p:txBody>
-          <a:bodyPr>
-            <a:normAutofit fontScale="85000" lnSpcReduction="20000"/>
-          </a:bodyPr>
-          <a:lstStyle/>
-          <a:p>
-            <a:pPr marL="457200" lvl="1" indent="0">
-              <a:buNone/>
-            </a:pPr>
-            <a:r>
-              <a:rPr lang="en-US" dirty="0"/>
-              <a:t>library(</a:t>
-            </a:r>
-            <a:r>
-              <a:rPr lang="en-US" dirty="0" err="1"/>
-              <a:t>dplyr</a:t>
-            </a:r>
-            <a:r>
-              <a:rPr lang="en-US" dirty="0"/>
-              <a:t>)</a:t>
-            </a:r>
-          </a:p>
-          <a:p>
-            <a:pPr marL="457200" lvl="1" indent="0">
-              <a:buNone/>
-            </a:pPr>
-            <a:r>
-              <a:rPr lang="en-US" dirty="0"/>
-              <a:t>library(ROI)</a:t>
-            </a:r>
-          </a:p>
-          <a:p>
-            <a:pPr marL="457200" lvl="1" indent="0">
-              <a:buNone/>
-            </a:pPr>
-            <a:r>
-              <a:rPr lang="en-US" dirty="0"/>
-              <a:t>library(</a:t>
-            </a:r>
-            <a:r>
-              <a:rPr lang="en-US" dirty="0" err="1"/>
-              <a:t>ROI.plugin.glpk</a:t>
-            </a:r>
-            <a:r>
-              <a:rPr lang="en-US" dirty="0"/>
-              <a:t>)</a:t>
-            </a:r>
-          </a:p>
-          <a:p>
-            <a:pPr marL="457200" lvl="1" indent="0">
-              <a:buNone/>
-            </a:pPr>
-            <a:r>
-              <a:rPr lang="en-US" dirty="0"/>
-              <a:t>library(</a:t>
-            </a:r>
-            <a:r>
-              <a:rPr lang="en-US" dirty="0" err="1"/>
-              <a:t>ompr</a:t>
-            </a:r>
-            <a:r>
-              <a:rPr lang="en-US" dirty="0"/>
-              <a:t>)</a:t>
-            </a:r>
-          </a:p>
-          <a:p>
-            <a:pPr marL="457200" lvl="1" indent="0">
-              <a:buNone/>
-            </a:pPr>
-            <a:r>
-              <a:rPr lang="en-US" dirty="0"/>
-              <a:t>library(</a:t>
-            </a:r>
-            <a:r>
-              <a:rPr lang="en-US" dirty="0" err="1"/>
-              <a:t>ompr.roi</a:t>
-            </a:r>
-            <a:r>
-              <a:rPr lang="en-US" dirty="0"/>
-              <a:t>)</a:t>
-            </a:r>
-          </a:p>
-          <a:p>
-            <a:pPr lvl="1"/>
-            <a:endParaRPr lang="en-US" dirty="0"/>
-          </a:p>
-          <a:p>
-            <a:pPr marL="457200" lvl="1" indent="0">
-              <a:buNone/>
-            </a:pPr>
-            <a:r>
-              <a:rPr lang="en-US" dirty="0"/>
-              <a:t>result &lt;- </a:t>
-            </a:r>
-            <a:r>
-              <a:rPr lang="en-US" dirty="0" err="1"/>
-              <a:t>MIPModel</a:t>
-            </a:r>
-            <a:r>
-              <a:rPr lang="en-US" dirty="0"/>
-              <a:t>() %&gt;%</a:t>
-            </a:r>
-          </a:p>
-          <a:p>
-            <a:pPr marL="457200" lvl="1" indent="0">
-              <a:buNone/>
-            </a:pPr>
-            <a:r>
-              <a:rPr lang="en-US" dirty="0"/>
-              <a:t>  </a:t>
-            </a:r>
-            <a:r>
-              <a:rPr lang="en-US" dirty="0" err="1"/>
-              <a:t>add_variable</a:t>
-            </a:r>
-            <a:r>
-              <a:rPr lang="en-US" dirty="0"/>
-              <a:t>(x, type = "continuous",) %&gt;%</a:t>
-            </a:r>
-          </a:p>
-          <a:p>
-            <a:pPr marL="457200" lvl="1" indent="0">
-              <a:buNone/>
-            </a:pPr>
-            <a:r>
-              <a:rPr lang="en-US" dirty="0"/>
-              <a:t>  </a:t>
-            </a:r>
-            <a:r>
-              <a:rPr lang="en-US" dirty="0" err="1"/>
-              <a:t>add_variable</a:t>
-            </a:r>
-            <a:r>
-              <a:rPr lang="en-US" dirty="0"/>
-              <a:t>(y, type = "continuous", </a:t>
-            </a:r>
-            <a:r>
-              <a:rPr lang="en-US" dirty="0" err="1"/>
-              <a:t>lb</a:t>
-            </a:r>
-            <a:r>
-              <a:rPr lang="en-US" dirty="0"/>
-              <a:t> = 0) %&gt;%</a:t>
-            </a:r>
-          </a:p>
-          <a:p>
-            <a:pPr marL="457200" lvl="1" indent="0">
-              <a:buNone/>
-            </a:pPr>
-            <a:r>
-              <a:rPr lang="en-US" dirty="0"/>
-              <a:t>  </a:t>
-            </a:r>
-            <a:r>
-              <a:rPr lang="en-US" dirty="0" err="1"/>
-              <a:t>set_bounds</a:t>
-            </a:r>
-            <a:r>
-              <a:rPr lang="en-US" dirty="0"/>
-              <a:t>(x, </a:t>
-            </a:r>
-            <a:r>
-              <a:rPr lang="en-US" dirty="0" err="1"/>
-              <a:t>lb</a:t>
-            </a:r>
-            <a:r>
-              <a:rPr lang="en-US" dirty="0"/>
-              <a:t> = 0) %&gt;%</a:t>
-            </a:r>
-          </a:p>
-          <a:p>
-            <a:pPr marL="457200" lvl="1" indent="0">
-              <a:buNone/>
-            </a:pPr>
-            <a:r>
-              <a:rPr lang="en-US" dirty="0"/>
-              <a:t>  </a:t>
-            </a:r>
-            <a:r>
-              <a:rPr lang="en-US" dirty="0" err="1"/>
-              <a:t>set_objective</a:t>
-            </a:r>
-            <a:r>
-              <a:rPr lang="en-US" dirty="0"/>
-              <a:t>(2*x +3*y, "min") %&gt;%</a:t>
-            </a:r>
-          </a:p>
-          <a:p>
-            <a:pPr marL="457200" lvl="1" indent="0">
-              <a:buNone/>
-            </a:pPr>
-            <a:r>
-              <a:rPr lang="en-US" dirty="0"/>
-              <a:t>  </a:t>
-            </a:r>
-            <a:r>
-              <a:rPr lang="en-US" dirty="0" err="1"/>
-              <a:t>add_constraint</a:t>
-            </a:r>
-            <a:r>
-              <a:rPr lang="en-US" dirty="0"/>
-              <a:t>(3*x + 4*y &gt;= 1) %&gt;%</a:t>
-            </a:r>
-          </a:p>
-          <a:p>
-            <a:pPr marL="457200" lvl="1" indent="0">
-              <a:buNone/>
-            </a:pPr>
-            <a:r>
-              <a:rPr lang="en-US" dirty="0"/>
-              <a:t>  </a:t>
-            </a:r>
-            <a:r>
-              <a:rPr lang="en-US" dirty="0" err="1"/>
-              <a:t>solve_model</a:t>
-            </a:r>
-            <a:r>
-              <a:rPr lang="en-US" dirty="0"/>
-              <a:t>(</a:t>
-            </a:r>
-            <a:r>
-              <a:rPr lang="en-US" dirty="0" err="1"/>
-              <a:t>with_ROI</a:t>
-            </a:r>
-            <a:r>
-              <a:rPr lang="en-US" dirty="0"/>
-              <a:t>(solver = "</a:t>
-            </a:r>
-            <a:r>
-              <a:rPr lang="en-US" dirty="0" err="1"/>
-              <a:t>glpk</a:t>
-            </a:r>
-            <a:r>
-              <a:rPr lang="en-US" dirty="0"/>
-              <a:t>"))</a:t>
-            </a:r>
-          </a:p>
-          <a:p>
-            <a:pPr marL="457200" lvl="1" indent="0">
-              <a:buNone/>
-            </a:pPr>
-            <a:endParaRPr lang="en-US" dirty="0"/>
-          </a:p>
-          <a:p>
-            <a:pPr marL="457200" lvl="1" indent="0">
-              <a:buNone/>
-            </a:pPr>
-            <a:r>
-              <a:rPr lang="en-US" dirty="0" err="1"/>
-              <a:t>get_solution</a:t>
-            </a:r>
-            <a:r>
-              <a:rPr lang="en-US" dirty="0"/>
-              <a:t>(result, x)</a:t>
-            </a:r>
-          </a:p>
-          <a:p>
-            <a:pPr marL="457200" lvl="1" indent="0">
-              <a:buNone/>
-            </a:pPr>
-            <a:r>
-              <a:rPr lang="en-US" dirty="0" err="1"/>
-              <a:t>get_solution</a:t>
-            </a:r>
-            <a:r>
-              <a:rPr lang="en-US" dirty="0"/>
-              <a:t>(result, y)</a:t>
-            </a:r>
-          </a:p>
-          <a:p>
-            <a:pPr marL="457200" lvl="1" indent="0">
-              <a:buNone/>
-            </a:pPr>
-            <a:endParaRPr lang="en-US" dirty="0"/>
-          </a:p>
-        </p:txBody>
-      </p:sp>
-      <p:sp>
-        <p:nvSpPr>
-          <p:cNvPr id="4" name="TextBox 3">
-            <a:extLst>
-              <a:ext uri="{FF2B5EF4-FFF2-40B4-BE49-F238E27FC236}">
-                <a16:creationId xmlns:a16="http://schemas.microsoft.com/office/drawing/2014/main" id="{C7EEEAFA-6A27-4A45-A338-919FFB3B6608}"/>
-              </a:ext>
-            </a:extLst>
-          </p:cNvPr>
-          <p:cNvSpPr txBox="1"/>
-          <p:nvPr/>
-        </p:nvSpPr>
-        <p:spPr>
-          <a:xfrm>
-            <a:off x="933061" y="1884783"/>
-            <a:ext cx="4198776" cy="4247317"/>
-          </a:xfrm>
-          <a:prstGeom prst="rect">
-            <a:avLst/>
-          </a:prstGeom>
-          <a:noFill/>
-        </p:spPr>
-        <p:txBody>
-          <a:bodyPr wrap="square" rtlCol="0">
-            <a:spAutoFit/>
-          </a:bodyPr>
-          <a:lstStyle/>
-          <a:p>
-            <a:r>
-              <a:rPr lang="en-US" sz="2800" b="1" dirty="0"/>
-              <a:t>Variables:</a:t>
-            </a:r>
-          </a:p>
-          <a:p>
-            <a:r>
-              <a:rPr lang="en-US" sz="2800" dirty="0"/>
-              <a:t>X : continuous, [0, +inf)</a:t>
-            </a:r>
-          </a:p>
-          <a:p>
-            <a:r>
-              <a:rPr lang="en-US" sz="2800" dirty="0"/>
-              <a:t>Y : continuous, [0, +inf)</a:t>
-            </a:r>
-          </a:p>
-          <a:p>
-            <a:endParaRPr lang="en-US" sz="2800" dirty="0"/>
-          </a:p>
-          <a:p>
-            <a:r>
-              <a:rPr lang="en-US" sz="2800" b="1" dirty="0"/>
-              <a:t>Constraint</a:t>
-            </a:r>
-            <a:r>
-              <a:rPr lang="en-US" sz="2800" dirty="0"/>
-              <a:t>:</a:t>
-            </a:r>
-          </a:p>
-          <a:p>
-            <a:r>
-              <a:rPr lang="en-US" sz="2800" dirty="0"/>
-              <a:t>3X + 4Y &gt; 1</a:t>
-            </a:r>
-          </a:p>
-          <a:p>
-            <a:endParaRPr lang="en-US" sz="2800" dirty="0"/>
-          </a:p>
-          <a:p>
-            <a:r>
-              <a:rPr lang="en-US" sz="2800" b="1" dirty="0"/>
-              <a:t>Objective</a:t>
-            </a:r>
-            <a:r>
-              <a:rPr lang="en-US" sz="2800" dirty="0"/>
-              <a:t>: </a:t>
-            </a:r>
-          </a:p>
-          <a:p>
-            <a:r>
-              <a:rPr lang="en-US" sz="2800" dirty="0"/>
-              <a:t>Minimize 2X+3Y</a:t>
-            </a:r>
-          </a:p>
-          <a:p>
-            <a:endParaRPr lang="en-US" dirty="0"/>
-          </a:p>
-        </p:txBody>
-      </p:sp>
-    </p:spTree>
-    <p:extLst>
-      <p:ext uri="{BB962C8B-B14F-4D97-AF65-F5344CB8AC3E}">
-        <p14:creationId xmlns:p14="http://schemas.microsoft.com/office/powerpoint/2010/main" val="3811462916"/>
-      </p:ext>
-    </p:extLst>
-  </p:cSld>
-  <p:clrMapOvr>
-    <a:masterClrMapping/>
-  </p:clrMapOvr>
-</p:sld>
-</file>
-
-<file path=ppt/slides/slide21.xml><?xml version="1.0" encoding="utf-8"?>
-<p:sld xmlns:a="http://schemas.openxmlformats.org/drawingml/2006/main" xmlns:r="http://schemas.openxmlformats.org/officeDocument/2006/relationships" xmlns:p="http://schemas.openxmlformats.org/presentationml/2006/main">
-  <p:cSld>
-    <p:spTree>
-      <p:nvGrpSpPr>
-        <p:cNvPr id="1" name=""/>
-        <p:cNvGrpSpPr/>
-        <p:nvPr/>
-      </p:nvGrpSpPr>
-      <p:grpSpPr>
-        <a:xfrm>
-          <a:off x="0" y="0"/>
-          <a:ext cx="0" cy="0"/>
-          <a:chOff x="0" y="0"/>
-          <a:chExt cx="0" cy="0"/>
-        </a:xfrm>
-      </p:grpSpPr>
-      <p:sp>
-        <p:nvSpPr>
-          <p:cNvPr id="2" name="Title 1">
-            <a:extLst>
-              <a:ext uri="{FF2B5EF4-FFF2-40B4-BE49-F238E27FC236}">
-                <a16:creationId xmlns:a16="http://schemas.microsoft.com/office/drawing/2014/main" id="{FF5EF3CA-1D3E-4DF3-A358-239F5FCEAF68}"/>
-              </a:ext>
-            </a:extLst>
-          </p:cNvPr>
-          <p:cNvSpPr>
-            <a:spLocks noGrp="1"/>
-          </p:cNvSpPr>
-          <p:nvPr>
-            <p:ph type="title"/>
-          </p:nvPr>
-        </p:nvSpPr>
-        <p:spPr/>
-        <p:txBody>
-          <a:bodyPr/>
-          <a:lstStyle/>
-          <a:p>
-            <a:r>
-              <a:rPr lang="en-US" dirty="0"/>
-              <a:t>Use python (Pyomo)</a:t>
-            </a:r>
-          </a:p>
-        </p:txBody>
-      </p:sp>
-      <p:sp>
-        <p:nvSpPr>
-          <p:cNvPr id="4" name="Content Placeholder 3">
-            <a:extLst>
-              <a:ext uri="{FF2B5EF4-FFF2-40B4-BE49-F238E27FC236}">
-                <a16:creationId xmlns:a16="http://schemas.microsoft.com/office/drawing/2014/main" id="{BACA9D49-BD42-4077-87B4-E3111D246356}"/>
-              </a:ext>
-            </a:extLst>
-          </p:cNvPr>
-          <p:cNvSpPr txBox="1">
-            <a:spLocks noGrp="1"/>
-          </p:cNvSpPr>
-          <p:nvPr>
-            <p:ph idx="1"/>
-          </p:nvPr>
-        </p:nvSpPr>
-        <p:spPr>
-          <a:xfrm>
-            <a:off x="838200" y="1825625"/>
-            <a:ext cx="4200331" cy="5124480"/>
-          </a:xfrm>
-          <a:prstGeom prst="rect">
-            <a:avLst/>
-          </a:prstGeom>
-          <a:noFill/>
-        </p:spPr>
-        <p:txBody>
-          <a:bodyPr wrap="square" rtlCol="0">
-            <a:spAutoFit/>
-          </a:bodyPr>
-          <a:lstStyle/>
-          <a:p>
-            <a:r>
-              <a:rPr lang="en-US" sz="2800" b="1" dirty="0"/>
-              <a:t>Variables:</a:t>
-            </a:r>
-          </a:p>
-          <a:p>
-            <a:r>
-              <a:rPr lang="en-US" sz="2800" dirty="0"/>
-              <a:t>X : </a:t>
-            </a:r>
-            <a:r>
-              <a:rPr lang="en-US" dirty="0"/>
-              <a:t>continuous, </a:t>
-            </a:r>
-            <a:r>
-              <a:rPr lang="en-US" sz="2800" dirty="0"/>
-              <a:t>[0, +inf)</a:t>
-            </a:r>
-          </a:p>
-          <a:p>
-            <a:r>
-              <a:rPr lang="en-US" sz="2800" dirty="0"/>
-              <a:t>Y : continuous, [0, +inf)</a:t>
-            </a:r>
-          </a:p>
-          <a:p>
-            <a:endParaRPr lang="en-US" sz="2800" dirty="0"/>
-          </a:p>
-          <a:p>
-            <a:r>
-              <a:rPr lang="en-US" sz="2800" b="1" dirty="0"/>
-              <a:t>Constraint</a:t>
-            </a:r>
-            <a:r>
-              <a:rPr lang="en-US" sz="2800" dirty="0"/>
-              <a:t>:</a:t>
-            </a:r>
-          </a:p>
-          <a:p>
-            <a:r>
-              <a:rPr lang="en-US" sz="2800" dirty="0"/>
-              <a:t>3X + 4Y &gt;= 1</a:t>
-            </a:r>
-          </a:p>
-          <a:p>
-            <a:endParaRPr lang="en-US" sz="2800" dirty="0"/>
-          </a:p>
-          <a:p>
-            <a:r>
-              <a:rPr lang="en-US" sz="2800" b="1" dirty="0"/>
-              <a:t>Objective</a:t>
-            </a:r>
-            <a:r>
-              <a:rPr lang="en-US" sz="2800" dirty="0"/>
-              <a:t>: </a:t>
-            </a:r>
-          </a:p>
-          <a:p>
-            <a:r>
-              <a:rPr lang="en-US" sz="2800" dirty="0"/>
-              <a:t>Minimize 2X+3Y</a:t>
-            </a:r>
-          </a:p>
-          <a:p>
-            <a:endParaRPr lang="en-US" dirty="0"/>
-          </a:p>
-        </p:txBody>
-      </p:sp>
-      <p:sp>
-        <p:nvSpPr>
-          <p:cNvPr id="5" name="TextBox 4">
-            <a:extLst>
-              <a:ext uri="{FF2B5EF4-FFF2-40B4-BE49-F238E27FC236}">
-                <a16:creationId xmlns:a16="http://schemas.microsoft.com/office/drawing/2014/main" id="{096A11E9-2335-4DF7-B59A-B89A2DEB7B00}"/>
-              </a:ext>
-            </a:extLst>
-          </p:cNvPr>
-          <p:cNvSpPr txBox="1"/>
-          <p:nvPr/>
-        </p:nvSpPr>
-        <p:spPr>
-          <a:xfrm>
-            <a:off x="6096000" y="1978090"/>
-            <a:ext cx="184731" cy="369332"/>
-          </a:xfrm>
-          <a:prstGeom prst="rect">
-            <a:avLst/>
-          </a:prstGeom>
-          <a:noFill/>
-        </p:spPr>
-        <p:txBody>
-          <a:bodyPr wrap="none" rtlCol="0">
-            <a:spAutoFit/>
-          </a:bodyPr>
-          <a:lstStyle/>
-          <a:p>
-            <a:endParaRPr lang="en-US" dirty="0"/>
-          </a:p>
-        </p:txBody>
-      </p:sp>
-      <p:sp>
-        <p:nvSpPr>
-          <p:cNvPr id="8" name="Rectangle 7">
-            <a:extLst>
-              <a:ext uri="{FF2B5EF4-FFF2-40B4-BE49-F238E27FC236}">
-                <a16:creationId xmlns:a16="http://schemas.microsoft.com/office/drawing/2014/main" id="{BEFB41B6-BB09-4549-B8E8-0F0B960EF47F}"/>
-              </a:ext>
-            </a:extLst>
-          </p:cNvPr>
-          <p:cNvSpPr/>
-          <p:nvPr/>
-        </p:nvSpPr>
-        <p:spPr>
-          <a:xfrm>
-            <a:off x="5257800" y="1788303"/>
-            <a:ext cx="6096000" cy="4247317"/>
-          </a:xfrm>
-          <a:prstGeom prst="rect">
-            <a:avLst/>
-          </a:prstGeom>
-        </p:spPr>
-        <p:txBody>
-          <a:bodyPr>
-            <a:spAutoFit/>
-          </a:bodyPr>
-          <a:lstStyle/>
-          <a:p>
-            <a:r>
-              <a:rPr lang="en-US" dirty="0"/>
-              <a:t>from </a:t>
-            </a:r>
-            <a:r>
-              <a:rPr lang="en-US" dirty="0" err="1"/>
-              <a:t>pyomo.environ</a:t>
-            </a:r>
-            <a:r>
-              <a:rPr lang="en-US" dirty="0"/>
-              <a:t> import *</a:t>
-            </a:r>
-          </a:p>
-          <a:p>
-            <a:endParaRPr lang="en-US" dirty="0"/>
-          </a:p>
-          <a:p>
-            <a:r>
-              <a:rPr lang="en-US" dirty="0"/>
-              <a:t>model = </a:t>
-            </a:r>
-            <a:r>
-              <a:rPr lang="en-US" dirty="0" err="1"/>
-              <a:t>ConcreteModel</a:t>
-            </a:r>
-            <a:r>
-              <a:rPr lang="en-US" dirty="0"/>
-              <a:t>()</a:t>
-            </a:r>
-          </a:p>
-          <a:p>
-            <a:endParaRPr lang="en-US" dirty="0"/>
-          </a:p>
-          <a:p>
-            <a:r>
-              <a:rPr lang="en-US" dirty="0" err="1"/>
-              <a:t>model.x</a:t>
-            </a:r>
-            <a:r>
-              <a:rPr lang="en-US" dirty="0"/>
-              <a:t> = Var(domain=</a:t>
-            </a:r>
-            <a:r>
-              <a:rPr lang="en-US" dirty="0" err="1"/>
-              <a:t>NonNegativeReals</a:t>
-            </a:r>
-            <a:r>
-              <a:rPr lang="en-US" dirty="0"/>
-              <a:t>)</a:t>
-            </a:r>
-          </a:p>
-          <a:p>
-            <a:r>
-              <a:rPr lang="en-US" dirty="0" err="1"/>
-              <a:t>model.y</a:t>
-            </a:r>
-            <a:r>
-              <a:rPr lang="en-US" dirty="0"/>
-              <a:t>= Var( domain=</a:t>
-            </a:r>
-            <a:r>
-              <a:rPr lang="en-US" dirty="0" err="1"/>
-              <a:t>NonNegativeReals</a:t>
-            </a:r>
-            <a:r>
-              <a:rPr lang="en-US" dirty="0"/>
-              <a:t>)</a:t>
-            </a:r>
-          </a:p>
-          <a:p>
-            <a:endParaRPr lang="en-US" dirty="0"/>
-          </a:p>
-          <a:p>
-            <a:r>
-              <a:rPr lang="en-US" dirty="0"/>
-              <a:t>model.Constraint1 = Constraint(expr = 3*</a:t>
-            </a:r>
-            <a:r>
-              <a:rPr lang="en-US" dirty="0" err="1"/>
-              <a:t>model.x</a:t>
-            </a:r>
-            <a:r>
-              <a:rPr lang="en-US" dirty="0"/>
-              <a:t> + 4*</a:t>
-            </a:r>
-            <a:r>
-              <a:rPr lang="en-US" dirty="0" err="1"/>
-              <a:t>model.y</a:t>
-            </a:r>
-            <a:r>
-              <a:rPr lang="en-US" dirty="0"/>
-              <a:t> ca&gt;= 1)</a:t>
-            </a:r>
-          </a:p>
-          <a:p>
-            <a:r>
-              <a:rPr lang="en-US" dirty="0"/>
-              <a:t>model.OBJ = Objective(expr = 2* </a:t>
-            </a:r>
-            <a:r>
-              <a:rPr lang="en-US" dirty="0" err="1"/>
-              <a:t>model.x</a:t>
-            </a:r>
-            <a:r>
-              <a:rPr lang="en-US" dirty="0"/>
-              <a:t> + 3*</a:t>
-            </a:r>
-            <a:r>
-              <a:rPr lang="en-US" dirty="0" err="1"/>
-              <a:t>model.y</a:t>
-            </a:r>
-            <a:r>
-              <a:rPr lang="en-US" dirty="0"/>
-              <a:t>)</a:t>
-            </a:r>
-          </a:p>
-          <a:p>
-            <a:endParaRPr lang="en-US" dirty="0"/>
-          </a:p>
-          <a:p>
-            <a:r>
-              <a:rPr lang="en-US" dirty="0"/>
-              <a:t>solver=</a:t>
-            </a:r>
-            <a:r>
-              <a:rPr lang="en-US" dirty="0" err="1"/>
-              <a:t>SolverFactory</a:t>
-            </a:r>
-            <a:r>
-              <a:rPr lang="en-US" dirty="0"/>
-              <a:t>("</a:t>
-            </a:r>
-            <a:r>
-              <a:rPr lang="en-US" dirty="0" err="1"/>
-              <a:t>glpk</a:t>
-            </a:r>
-            <a:r>
-              <a:rPr lang="en-US" dirty="0"/>
-              <a:t>")</a:t>
-            </a:r>
-          </a:p>
-          <a:p>
-            <a:r>
-              <a:rPr lang="en-US" dirty="0" err="1"/>
-              <a:t>solver.solve</a:t>
-            </a:r>
-            <a:r>
-              <a:rPr lang="en-US" dirty="0"/>
-              <a:t>(</a:t>
-            </a:r>
-            <a:r>
-              <a:rPr lang="en-US" dirty="0" err="1"/>
-              <a:t>model,tee</a:t>
-            </a:r>
-            <a:r>
-              <a:rPr lang="en-US" dirty="0"/>
-              <a:t>=True)</a:t>
-            </a:r>
-          </a:p>
-          <a:p>
-            <a:endParaRPr lang="en-US" dirty="0"/>
-          </a:p>
-          <a:p>
-            <a:r>
-              <a:rPr lang="en-US" dirty="0"/>
-              <a:t>print(</a:t>
-            </a:r>
-            <a:r>
-              <a:rPr lang="en-US" dirty="0" err="1"/>
-              <a:t>model.x</a:t>
-            </a:r>
-            <a:r>
-              <a:rPr lang="en-US" dirty="0"/>
-              <a:t>(), </a:t>
-            </a:r>
-            <a:r>
-              <a:rPr lang="en-US" dirty="0" err="1"/>
-              <a:t>model.y</a:t>
-            </a:r>
-            <a:r>
-              <a:rPr lang="en-US" dirty="0"/>
-              <a:t>())</a:t>
-            </a:r>
-          </a:p>
-        </p:txBody>
-      </p:sp>
-    </p:spTree>
-    <p:extLst>
-      <p:ext uri="{BB962C8B-B14F-4D97-AF65-F5344CB8AC3E}">
-        <p14:creationId xmlns:p14="http://schemas.microsoft.com/office/powerpoint/2010/main" val="3955884181"/>
-      </p:ext>
-    </p:extLst>
-  </p:cSld>
-  <p:clrMapOvr>
-    <a:masterClrMapping/>
-  </p:clrMapOvr>
-</p:sld>
-</file>
-
-<file path=ppt/slides/slide22.xml><?xml version="1.0" encoding="utf-8"?>
-<p:sld xmlns:a="http://schemas.openxmlformats.org/drawingml/2006/main" xmlns:r="http://schemas.openxmlformats.org/officeDocument/2006/relationships" xmlns:p="http://schemas.openxmlformats.org/presentationml/2006/main">
-  <p:cSld>
-    <p:spTree>
-      <p:nvGrpSpPr>
-        <p:cNvPr id="1" name=""/>
-        <p:cNvGrpSpPr/>
-        <p:nvPr/>
-      </p:nvGrpSpPr>
-      <p:grpSpPr>
-        <a:xfrm>
-          <a:off x="0" y="0"/>
-          <a:ext cx="0" cy="0"/>
-          <a:chOff x="0" y="0"/>
-          <a:chExt cx="0" cy="0"/>
-        </a:xfrm>
-      </p:grpSpPr>
-      <p:sp>
-        <p:nvSpPr>
-          <p:cNvPr id="2" name="Title 1">
-            <a:extLst>
-              <a:ext uri="{FF2B5EF4-FFF2-40B4-BE49-F238E27FC236}">
-                <a16:creationId xmlns:a16="http://schemas.microsoft.com/office/drawing/2014/main" id="{CD1EC03D-391A-4C9B-B7B7-7C9FD552A104}"/>
-              </a:ext>
-            </a:extLst>
-          </p:cNvPr>
-          <p:cNvSpPr>
-            <a:spLocks noGrp="1"/>
-          </p:cNvSpPr>
-          <p:nvPr>
-            <p:ph type="title"/>
-          </p:nvPr>
-        </p:nvSpPr>
-        <p:spPr/>
-        <p:txBody>
-          <a:bodyPr/>
-          <a:lstStyle/>
-          <a:p>
-            <a:r>
-              <a:rPr lang="en-US" dirty="0"/>
-              <a:t>Reference </a:t>
-            </a:r>
-          </a:p>
-        </p:txBody>
-      </p:sp>
-      <p:sp>
-        <p:nvSpPr>
-          <p:cNvPr id="3" name="Content Placeholder 2">
-            <a:extLst>
-              <a:ext uri="{FF2B5EF4-FFF2-40B4-BE49-F238E27FC236}">
-                <a16:creationId xmlns:a16="http://schemas.microsoft.com/office/drawing/2014/main" id="{A8233770-8987-4C4E-B26D-FE5BCDECB9F6}"/>
-              </a:ext>
-            </a:extLst>
-          </p:cNvPr>
-          <p:cNvSpPr>
-            <a:spLocks noGrp="1"/>
-          </p:cNvSpPr>
-          <p:nvPr>
-            <p:ph idx="1"/>
-          </p:nvPr>
-        </p:nvSpPr>
-        <p:spPr/>
-        <p:txBody>
-          <a:bodyPr/>
-          <a:lstStyle/>
-          <a:p>
-            <a:r>
-              <a:rPr lang="en-US" dirty="0"/>
-              <a:t>Python: </a:t>
-            </a:r>
-            <a:r>
-              <a:rPr lang="en-US" dirty="0">
-                <a:hlinkClick r:id="rId2"/>
-              </a:rPr>
-              <a:t>https://pyomo.readthedocs.io/en/stable/index.html</a:t>
-            </a:r>
-            <a:endParaRPr lang="en-US" dirty="0"/>
-          </a:p>
-          <a:p>
-            <a:r>
-              <a:rPr lang="en-US" dirty="0"/>
-              <a:t>R: </a:t>
-            </a:r>
-            <a:r>
-              <a:rPr lang="en-US" dirty="0">
-                <a:hlinkClick r:id="rId3"/>
-              </a:rPr>
-              <a:t>https://dirkschumacher.github.io/ompr/index.html</a:t>
-            </a:r>
-            <a:endParaRPr lang="en-US" dirty="0"/>
-          </a:p>
-          <a:p>
-            <a:endParaRPr lang="en-US" dirty="0"/>
-          </a:p>
-        </p:txBody>
-      </p:sp>
-    </p:spTree>
-    <p:extLst>
-      <p:ext uri="{BB962C8B-B14F-4D97-AF65-F5344CB8AC3E}">
-        <p14:creationId xmlns:p14="http://schemas.microsoft.com/office/powerpoint/2010/main" val="2550923091"/>
-      </p:ext>
-    </p:extLst>
-  </p:cSld>
-  <p:clrMapOvr>
-    <a:masterClrMapping/>
-  </p:clrMapOvr>
-</p:sld>
-</file>
-
-<file path=ppt/slides/slide3.xml><?xml version="1.0" encoding="utf-8"?>
+<file path=ppt/slides/slide4.xml><?xml version="1.0" encoding="utf-8"?>
 <p:sld xmlns:a="http://schemas.openxmlformats.org/drawingml/2006/main" xmlns:r="http://schemas.openxmlformats.org/officeDocument/2006/relationships" xmlns:p="http://schemas.openxmlformats.org/presentationml/2006/main">
   <p:cSld>
     <p:bg>
@@ -27373,96 +27583,6 @@
     <p:extLst>
       <p:ext uri="{BB962C8B-B14F-4D97-AF65-F5344CB8AC3E}">
         <p14:creationId xmlns:p14="http://schemas.microsoft.com/office/powerpoint/2010/main" val="79664097"/>
-      </p:ext>
-    </p:extLst>
-  </p:cSld>
-  <p:clrMapOvr>
-    <a:masterClrMapping/>
-  </p:clrMapOvr>
-</p:sld>
-</file>
-
-<file path=ppt/slides/slide4.xml><?xml version="1.0" encoding="utf-8"?>
-<p:sld xmlns:a="http://schemas.openxmlformats.org/drawingml/2006/main" xmlns:r="http://schemas.openxmlformats.org/officeDocument/2006/relationships" xmlns:p="http://schemas.openxmlformats.org/presentationml/2006/main" show="0">
-  <p:cSld>
-    <p:spTree>
-      <p:nvGrpSpPr>
-        <p:cNvPr id="1" name=""/>
-        <p:cNvGrpSpPr/>
-        <p:nvPr/>
-      </p:nvGrpSpPr>
-      <p:grpSpPr>
-        <a:xfrm>
-          <a:off x="0" y="0"/>
-          <a:ext cx="0" cy="0"/>
-          <a:chOff x="0" y="0"/>
-          <a:chExt cx="0" cy="0"/>
-        </a:xfrm>
-      </p:grpSpPr>
-      <p:sp>
-        <p:nvSpPr>
-          <p:cNvPr id="2" name="Title 1">
-            <a:extLst>
-              <a:ext uri="{FF2B5EF4-FFF2-40B4-BE49-F238E27FC236}">
-                <a16:creationId xmlns:a16="http://schemas.microsoft.com/office/drawing/2014/main" id="{6CB1BE0A-7E93-4978-B17A-5B0DB412F9B5}"/>
-              </a:ext>
-            </a:extLst>
-          </p:cNvPr>
-          <p:cNvSpPr>
-            <a:spLocks noGrp="1"/>
-          </p:cNvSpPr>
-          <p:nvPr>
-            <p:ph type="title"/>
-          </p:nvPr>
-        </p:nvSpPr>
-        <p:spPr/>
-        <p:txBody>
-          <a:bodyPr/>
-          <a:lstStyle/>
-          <a:p>
-            <a:r>
-              <a:rPr lang="en-US" dirty="0"/>
-              <a:t>Fact</a:t>
-            </a:r>
-          </a:p>
-        </p:txBody>
-      </p:sp>
-      <p:pic>
-        <p:nvPicPr>
-          <p:cNvPr id="4" name="Content Placeholder 3">
-            <a:extLst>
-              <a:ext uri="{FF2B5EF4-FFF2-40B4-BE49-F238E27FC236}">
-                <a16:creationId xmlns:a16="http://schemas.microsoft.com/office/drawing/2014/main" id="{781D4202-9A29-4C77-931B-AF9E8EC369B9}"/>
-              </a:ext>
-            </a:extLst>
-          </p:cNvPr>
-          <p:cNvPicPr>
-            <a:picLocks noGrp="1" noChangeAspect="1"/>
-          </p:cNvPicPr>
-          <p:nvPr>
-            <p:ph idx="1"/>
-          </p:nvPr>
-        </p:nvPicPr>
-        <p:blipFill>
-          <a:blip r:embed="rId2"/>
-          <a:stretch>
-            <a:fillRect/>
-          </a:stretch>
-        </p:blipFill>
-        <p:spPr>
-          <a:xfrm>
-            <a:off x="1858366" y="1887451"/>
-            <a:ext cx="7953063" cy="3698537"/>
-          </a:xfrm>
-          <a:prstGeom prst="rect">
-            <a:avLst/>
-          </a:prstGeom>
-        </p:spPr>
-      </p:pic>
-    </p:spTree>
-    <p:extLst>
-      <p:ext uri="{BB962C8B-B14F-4D97-AF65-F5344CB8AC3E}">
-        <p14:creationId xmlns:p14="http://schemas.microsoft.com/office/powerpoint/2010/main" val="1909385341"/>
       </p:ext>
     </p:extLst>
   </p:cSld>
@@ -29004,7 +29124,7 @@
           <p:nvPr>
             <p:extLst>
               <p:ext uri="{D42A27DB-BD31-4B8C-83A1-F6EECF244321}">
-                <p14:modId xmlns:p14="http://schemas.microsoft.com/office/powerpoint/2010/main" val="1593800666"/>
+                <p14:modId xmlns:p14="http://schemas.microsoft.com/office/powerpoint/2010/main" val="1076357334"/>
               </p:ext>
             </p:extLst>
           </p:nvPr>
@@ -29025,21 +29145,21 @@
                     </a:ext>
                   </a:extLst>
                 </a:gridCol>
-                <a:gridCol w="2190999">
+                <a:gridCol w="2645373">
                   <a:extLst>
                     <a:ext uri="{9D8B030D-6E8A-4147-A177-3AD203B41FA5}">
                       <a16:colId xmlns:a16="http://schemas.microsoft.com/office/drawing/2014/main" val="2405509893"/>
                     </a:ext>
                   </a:extLst>
                 </a:gridCol>
-                <a:gridCol w="2804350">
+                <a:gridCol w="2505808">
                   <a:extLst>
                     <a:ext uri="{9D8B030D-6E8A-4147-A177-3AD203B41FA5}">
                       <a16:colId xmlns:a16="http://schemas.microsoft.com/office/drawing/2014/main" val="465979438"/>
                     </a:ext>
                   </a:extLst>
                 </a:gridCol>
-                <a:gridCol w="3136628">
+                <a:gridCol w="2980796">
                   <a:extLst>
                     <a:ext uri="{9D8B030D-6E8A-4147-A177-3AD203B41FA5}">
                       <a16:colId xmlns:a16="http://schemas.microsoft.com/office/drawing/2014/main" val="488230989"/>
@@ -32461,21 +32581,12 @@
 </file>
 
 <file path=customXml/item1.xml><?xml version="1.0" encoding="utf-8"?>
-<?mso-contentType ?>
-<FormTemplates xmlns="http://schemas.microsoft.com/sharepoint/v3/contenttype/forms">
-  <Display>DocumentLibraryForm</Display>
-  <Edit>DocumentLibraryForm</Edit>
-  <New>DocumentLibraryForm</New>
-</FormTemplates>
-</file>
-
-<file path=customXml/item2.xml><?xml version="1.0" encoding="utf-8"?>
 <p:properties xmlns:p="http://schemas.microsoft.com/office/2006/metadata/properties" xmlns:xsi="http://www.w3.org/2001/XMLSchema-instance" xmlns:pc="http://schemas.microsoft.com/office/infopath/2007/PartnerControls">
   <documentManagement/>
 </p:properties>
 </file>
 
-<file path=customXml/item3.xml><?xml version="1.0" encoding="utf-8"?>
+<file path=customXml/item2.xml><?xml version="1.0" encoding="utf-8"?>
 <ct:contentTypeSchema xmlns:ct="http://schemas.microsoft.com/office/2006/metadata/contentType" xmlns:ma="http://schemas.microsoft.com/office/2006/metadata/properties/metaAttributes" ct:_="" ma:_="" ma:contentTypeName="Document" ma:contentTypeID="0x0101000EC9D9943E8EEE41BBA04C3B27DE2CD3" ma:contentTypeVersion="12" ma:contentTypeDescription="Create a new document." ma:contentTypeScope="" ma:versionID="0f54b63325998b1976be1953663f75dd">
   <xsd:schema xmlns:xsd="http://www.w3.org/2001/XMLSchema" xmlns:xs="http://www.w3.org/2001/XMLSchema" xmlns:p="http://schemas.microsoft.com/office/2006/metadata/properties" xmlns:ns3="0b87ccac-2c88-4abc-a59c-99e02f027f7a" xmlns:ns4="9aa9bc2b-2999-4df7-8781-7bf8f443b5ab" targetNamespace="http://schemas.microsoft.com/office/2006/metadata/properties" ma:root="true" ma:fieldsID="a69178afde81d5c39ac6064a9ba69d41" ns3:_="" ns4:_="">
     <xsd:import namespace="0b87ccac-2c88-4abc-a59c-99e02f027f7a"/>
@@ -32692,15 +32803,16 @@
 </ct:contentTypeSchema>
 </file>
 
-<file path=customXml/itemProps1.xml><?xml version="1.0" encoding="utf-8"?>
-<ds:datastoreItem xmlns:ds="http://schemas.openxmlformats.org/officeDocument/2006/customXml" ds:itemID="{EF764105-D4FC-4FC6-8197-9D3431E5B544}">
-  <ds:schemaRefs>
-    <ds:schemaRef ds:uri="http://schemas.microsoft.com/sharepoint/v3/contenttype/forms"/>
-  </ds:schemaRefs>
-</ds:datastoreItem>
+<file path=customXml/item3.xml><?xml version="1.0" encoding="utf-8"?>
+<?mso-contentType ?>
+<FormTemplates xmlns="http://schemas.microsoft.com/sharepoint/v3/contenttype/forms">
+  <Display>DocumentLibraryForm</Display>
+  <Edit>DocumentLibraryForm</Edit>
+  <New>DocumentLibraryForm</New>
+</FormTemplates>
 </file>
 
-<file path=customXml/itemProps2.xml><?xml version="1.0" encoding="utf-8"?>
+<file path=customXml/itemProps1.xml><?xml version="1.0" encoding="utf-8"?>
 <ds:datastoreItem xmlns:ds="http://schemas.openxmlformats.org/officeDocument/2006/customXml" ds:itemID="{6689CAF1-72B7-4721-B8D4-1833A0413F95}">
   <ds:schemaRefs>
     <ds:schemaRef ds:uri="http://purl.org/dc/terms/"/>
@@ -32717,7 +32829,7 @@
 </ds:datastoreItem>
 </file>
 
-<file path=customXml/itemProps3.xml><?xml version="1.0" encoding="utf-8"?>
+<file path=customXml/itemProps2.xml><?xml version="1.0" encoding="utf-8"?>
 <ds:datastoreItem xmlns:ds="http://schemas.openxmlformats.org/officeDocument/2006/customXml" ds:itemID="{FCE7EE54-C721-464D-AE0E-A687B88D34FE}">
   <ds:schemaRefs>
     <ds:schemaRef ds:uri="http://schemas.microsoft.com/office/2006/metadata/contentType"/>
@@ -32734,4 +32846,12 @@
     <ds:schemaRef ds:uri="http://schemas.microsoft.com/internal/obd"/>
   </ds:schemaRefs>
 </ds:datastoreItem>
+</file>
+
+<file path=customXml/itemProps3.xml><?xml version="1.0" encoding="utf-8"?>
+<ds:datastoreItem xmlns:ds="http://schemas.openxmlformats.org/officeDocument/2006/customXml" ds:itemID="{EF764105-D4FC-4FC6-8197-9D3431E5B544}">
+  <ds:schemaRefs>
+    <ds:schemaRef ds:uri="http://schemas.microsoft.com/sharepoint/v3/contenttype/forms"/>
+  </ds:schemaRefs>
+</ds:datastoreItem>
 </file>